--- a/Document/New Features at VS Ultimate 2013.pptx
+++ b/Document/New Features at VS Ultimate 2013.pptx
@@ -14,36 +14,37 @@
     <p:sldMasterId id="2147484321" r:id="rId13"/>
   </p:sldMasterIdLst>
   <p:notesMasterIdLst>
-    <p:notesMasterId r:id="rId18"/>
+    <p:notesMasterId r:id="rId19"/>
   </p:notesMasterIdLst>
   <p:handoutMasterIdLst>
-    <p:handoutMasterId r:id="rId19"/>
+    <p:handoutMasterId r:id="rId20"/>
   </p:handoutMasterIdLst>
   <p:sldIdLst>
     <p:sldId id="256" r:id="rId14"/>
     <p:sldId id="257" r:id="rId15"/>
     <p:sldId id="258" r:id="rId16"/>
     <p:sldId id="259" r:id="rId17"/>
+    <p:sldId id="260" r:id="rId18"/>
   </p:sldIdLst>
   <p:sldSz cx="9144000" cy="6858000" type="screen4x3"/>
   <p:notesSz cx="7010400" cy="9296400"/>
   <p:embeddedFontLst>
     <p:embeddedFont>
-      <p:font typeface="museo sans for dell" panose="020B0604020202020204" charset="0"/>
-      <p:regular r:id="rId20"/>
-      <p:bold r:id="rId21"/>
+      <p:font typeface="Museo Sans For Dell" panose="020B0604020202020204" charset="0"/>
+      <p:regular r:id="rId21"/>
+      <p:bold r:id="rId22"/>
     </p:embeddedFont>
     <p:embeddedFont>
       <p:font typeface="Arial Black" panose="020B0A04020102020204" pitchFamily="34" charset="0"/>
-      <p:bold r:id="rId22"/>
+      <p:bold r:id="rId23"/>
     </p:embeddedFont>
     <p:embeddedFont>
       <p:font typeface="Museo For Dell 300" panose="02000000000000000000" charset="0"/>
-      <p:regular r:id="rId23"/>
+      <p:regular r:id="rId24"/>
     </p:embeddedFont>
   </p:embeddedFontLst>
   <p:custDataLst>
-    <p:tags r:id="rId24"/>
+    <p:tags r:id="rId25"/>
   </p:custDataLst>
   <p:defaultTextStyle>
     <a:defPPr>
@@ -172,7 +173,7 @@
   </p:defaultTextStyle>
   <p:extLst>
     <p:ext uri="{EFAFB233-063F-42B5-8137-9DF3F51BA10A}">
-      <p15:sldGuideLst xmlns:p15="http://schemas.microsoft.com/office/powerpoint/2012/main" xmlns="">
+      <p15:sldGuideLst xmlns="" xmlns:p15="http://schemas.microsoft.com/office/powerpoint/2012/main">
         <p15:guide id="1" orient="horz" pos="4111">
           <p15:clr>
             <a:srgbClr val="A4A3A4"/>
@@ -191,7 +192,7 @@
       </p15:sldGuideLst>
     </p:ext>
     <p:ext uri="{2D200454-40CA-4A62-9FC3-DE9A4176ACB9}">
-      <p15:notesGuideLst xmlns:p15="http://schemas.microsoft.com/office/powerpoint/2012/main" xmlns="">
+      <p15:notesGuideLst xmlns="" xmlns:p15="http://schemas.microsoft.com/office/powerpoint/2012/main">
         <p15:guide id="1" orient="horz" pos="2928">
           <p15:clr>
             <a:srgbClr val="A4A3A4"/>
@@ -19657,7 +19658,7 @@
                   <a:schemeClr val="bg1"/>
                 </a:buClr>
               </a:pPr>
-              <a:t>12/22/2014</a:t>
+              <a:t>12/26/2014</a:t>
             </a:fld>
             <a:endParaRPr lang="en-US" sz="900" dirty="0" smtClean="0">
               <a:solidFill>
@@ -19731,7 +19732,7 @@
                   <a:schemeClr val="bg1"/>
                 </a:buClr>
               </a:pPr>
-              <a:t>12/22/2014</a:t>
+              <a:t>12/26/2014</a:t>
             </a:fld>
             <a:endParaRPr lang="en-US" sz="900" dirty="0" smtClean="0">
               <a:solidFill>
@@ -20601,7 +20602,7 @@
                   <a:schemeClr val="bg1"/>
                 </a:buClr>
               </a:pPr>
-              <a:t>12/22/2014</a:t>
+              <a:t>12/26/2014</a:t>
             </a:fld>
             <a:endParaRPr lang="en-US" sz="900" dirty="0" smtClean="0">
               <a:solidFill>
@@ -20675,7 +20676,7 @@
                   <a:schemeClr val="bg1"/>
                 </a:buClr>
               </a:pPr>
-              <a:t>12/22/2014</a:t>
+              <a:t>12/26/2014</a:t>
             </a:fld>
             <a:endParaRPr lang="en-US" sz="900" dirty="0" smtClean="0">
               <a:solidFill>
@@ -21586,7 +21587,7 @@
                   <a:schemeClr val="bg1"/>
                 </a:buClr>
               </a:pPr>
-              <a:t>12/22/2014</a:t>
+              <a:t>12/26/2014</a:t>
             </a:fld>
             <a:endParaRPr lang="en-US" sz="1000" dirty="0" smtClean="0">
               <a:solidFill>
@@ -22590,7 +22591,7 @@
                   <a:schemeClr val="bg1"/>
                 </a:buClr>
               </a:pPr>
-              <a:t>12/22/2014</a:t>
+              <a:t>12/26/2014</a:t>
             </a:fld>
             <a:endParaRPr lang="en-US" sz="900" dirty="0" smtClean="0">
               <a:solidFill>
@@ -22664,7 +22665,7 @@
                   <a:schemeClr val="bg1"/>
                 </a:buClr>
               </a:pPr>
-              <a:t>12/22/2014</a:t>
+              <a:t>12/26/2014</a:t>
             </a:fld>
             <a:endParaRPr lang="en-US" sz="900" dirty="0" smtClean="0">
               <a:solidFill>
@@ -23433,7 +23434,7 @@
                   <a:schemeClr val="bg1"/>
                 </a:buClr>
               </a:pPr>
-              <a:t>12/22/2014</a:t>
+              <a:t>12/26/2014</a:t>
             </a:fld>
             <a:endParaRPr lang="en-US" sz="900" dirty="0" smtClean="0">
               <a:solidFill>
@@ -23507,7 +23508,7 @@
                   <a:schemeClr val="bg1"/>
                 </a:buClr>
               </a:pPr>
-              <a:t>12/22/2014</a:t>
+              <a:t>12/26/2014</a:t>
             </a:fld>
             <a:endParaRPr lang="en-US" sz="900" dirty="0" smtClean="0">
               <a:solidFill>
@@ -24417,7 +24418,7 @@
                   <a:schemeClr val="bg1"/>
                 </a:buClr>
               </a:pPr>
-              <a:t>12/22/2014</a:t>
+              <a:t>12/26/2014</a:t>
             </a:fld>
             <a:endParaRPr lang="en-US" sz="900" dirty="0" smtClean="0">
               <a:solidFill>
@@ -24491,7 +24492,7 @@
                   <a:schemeClr val="bg1"/>
                 </a:buClr>
               </a:pPr>
-              <a:t>12/22/2014</a:t>
+              <a:t>12/26/2014</a:t>
             </a:fld>
             <a:endParaRPr lang="en-US" sz="900" dirty="0" smtClean="0">
               <a:solidFill>
@@ -25401,7 +25402,7 @@
                   <a:schemeClr val="bg1"/>
                 </a:buClr>
               </a:pPr>
-              <a:t>12/22/2014</a:t>
+              <a:t>12/26/2014</a:t>
             </a:fld>
             <a:endParaRPr lang="en-US" sz="900" dirty="0" smtClean="0">
               <a:solidFill>
@@ -25475,7 +25476,7 @@
                   <a:schemeClr val="bg1"/>
                 </a:buClr>
               </a:pPr>
-              <a:t>12/22/2014</a:t>
+              <a:t>12/26/2014</a:t>
             </a:fld>
             <a:endParaRPr lang="en-US" sz="900" dirty="0" smtClean="0">
               <a:solidFill>
@@ -26385,7 +26386,7 @@
                   <a:schemeClr val="bg1"/>
                 </a:buClr>
               </a:pPr>
-              <a:t>12/22/2014</a:t>
+              <a:t>12/26/2014</a:t>
             </a:fld>
             <a:endParaRPr lang="en-US" sz="900" dirty="0" smtClean="0">
               <a:solidFill>
@@ -26459,7 +26460,7 @@
                   <a:schemeClr val="bg1"/>
                 </a:buClr>
               </a:pPr>
-              <a:t>12/22/2014</a:t>
+              <a:t>12/26/2014</a:t>
             </a:fld>
             <a:endParaRPr lang="en-US" sz="900" dirty="0" smtClean="0">
               <a:solidFill>
@@ -27368,7 +27369,7 @@
                   <a:schemeClr val="bg1"/>
                 </a:buClr>
               </a:pPr>
-              <a:t>12/22/2014</a:t>
+              <a:t>12/26/2014</a:t>
             </a:fld>
             <a:endParaRPr lang="en-US" sz="900" dirty="0" smtClean="0">
               <a:solidFill>
@@ -27442,7 +27443,7 @@
                   <a:schemeClr val="bg1"/>
                 </a:buClr>
               </a:pPr>
-              <a:t>12/22/2014</a:t>
+              <a:t>12/26/2014</a:t>
             </a:fld>
             <a:endParaRPr lang="en-US" sz="900" dirty="0" smtClean="0">
               <a:solidFill>
@@ -28351,7 +28352,7 @@
                   <a:schemeClr val="bg1"/>
                 </a:buClr>
               </a:pPr>
-              <a:t>12/22/2014</a:t>
+              <a:t>12/26/2014</a:t>
             </a:fld>
             <a:endParaRPr lang="en-US" sz="900" dirty="0" smtClean="0">
               <a:solidFill>
@@ -28425,7 +28426,7 @@
                   <a:schemeClr val="bg1"/>
                 </a:buClr>
               </a:pPr>
-              <a:t>12/22/2014</a:t>
+              <a:t>12/26/2014</a:t>
             </a:fld>
             <a:endParaRPr lang="en-US" sz="900" dirty="0" smtClean="0">
               <a:solidFill>
@@ -29180,7 +29181,6 @@
               <a:rPr lang="en-US" dirty="0"/>
               <a:t>New Features at VS Ultimate 2013</a:t>
             </a:r>
-            <a:endParaRPr lang="en-US" dirty="0"/>
           </a:p>
         </p:txBody>
       </p:sp>
@@ -29201,11 +29201,7 @@
           <a:p>
             <a:r>
               <a:rPr lang="en-US" dirty="0" smtClean="0"/>
-              <a:t>By </a:t>
-            </a:r>
-            <a:r>
-              <a:rPr lang="en-US" dirty="0" smtClean="0"/>
-              <a:t>Rob Feng</a:t>
+              <a:t>By Rob Feng</a:t>
             </a:r>
             <a:endParaRPr lang="en-US" dirty="0"/>
           </a:p>
@@ -29919,6 +29915,191 @@
     <p:extLst>
       <p:ext uri="{BB962C8B-B14F-4D97-AF65-F5344CB8AC3E}">
         <p14:creationId xmlns:p14="http://schemas.microsoft.com/office/powerpoint/2010/main" val="1969669905"/>
+      </p:ext>
+    </p:extLst>
+  </p:cSld>
+  <p:clrMapOvr>
+    <a:masterClrMapping/>
+  </p:clrMapOvr>
+  <p:transition spd="med">
+    <p:wipe dir="r"/>
+  </p:transition>
+  <p:timing>
+    <p:tnLst>
+      <p:par>
+        <p:cTn id="1" dur="indefinite" restart="never" nodeType="tmRoot"/>
+      </p:par>
+    </p:tnLst>
+  </p:timing>
+</p:sld>
+</file>
+
+<file path=ppt/slides/slide5.xml><?xml version="1.0" encoding="utf-8"?>
+<p:sld xmlns:a="http://schemas.openxmlformats.org/drawingml/2006/main" xmlns:r="http://schemas.openxmlformats.org/officeDocument/2006/relationships" xmlns:p="http://schemas.openxmlformats.org/presentationml/2006/main">
+  <p:cSld>
+    <p:spTree>
+      <p:nvGrpSpPr>
+        <p:cNvPr id="1" name=""/>
+        <p:cNvGrpSpPr/>
+        <p:nvPr/>
+      </p:nvGrpSpPr>
+      <p:grpSpPr>
+        <a:xfrm>
+          <a:off x="0" y="0"/>
+          <a:ext cx="0" cy="0"/>
+          <a:chOff x="0" y="0"/>
+          <a:chExt cx="0" cy="0"/>
+        </a:xfrm>
+      </p:grpSpPr>
+      <p:sp>
+        <p:nvSpPr>
+          <p:cNvPr id="5" name="Title 4"/>
+          <p:cNvSpPr>
+            <a:spLocks noGrp="1"/>
+          </p:cNvSpPr>
+          <p:nvPr>
+            <p:ph type="title"/>
+          </p:nvPr>
+        </p:nvSpPr>
+        <p:spPr/>
+        <p:txBody>
+          <a:bodyPr/>
+          <a:lstStyle/>
+          <a:p>
+            <a:r>
+              <a:rPr lang="en-US" altLang="zh-CN" dirty="0" smtClean="0"/>
+              <a:t>Other Features</a:t>
+            </a:r>
+            <a:endParaRPr lang="zh-CN" altLang="en-US" dirty="0"/>
+          </a:p>
+        </p:txBody>
+      </p:sp>
+      <p:sp>
+        <p:nvSpPr>
+          <p:cNvPr id="6" name="Content Placeholder 5"/>
+          <p:cNvSpPr>
+            <a:spLocks noGrp="1"/>
+          </p:cNvSpPr>
+          <p:nvPr>
+            <p:ph sz="half" idx="1"/>
+          </p:nvPr>
+        </p:nvSpPr>
+        <p:spPr/>
+        <p:txBody>
+          <a:bodyPr/>
+          <a:lstStyle/>
+          <a:p>
+            <a:pPr marL="342900" indent="-342900">
+              <a:buFont typeface="+mj-lt"/>
+              <a:buAutoNum type="arabicPeriod"/>
+            </a:pPr>
+            <a:r>
+              <a:rPr lang="en-US" altLang="zh-CN" dirty="0">
+                <a:hlinkClick r:id="rId2"/>
+              </a:rPr>
+              <a:t>Examine return values of </a:t>
+            </a:r>
+            <a:r>
+              <a:rPr lang="en-US" altLang="zh-CN" dirty="0" smtClean="0">
+                <a:hlinkClick r:id="rId2"/>
+              </a:rPr>
+              <a:t>method calls</a:t>
+            </a:r>
+            <a:endParaRPr lang="en-US" altLang="zh-CN" dirty="0"/>
+          </a:p>
+          <a:p>
+            <a:pPr marL="342900" indent="-342900">
+              <a:buFont typeface="+mj-lt"/>
+              <a:buAutoNum type="arabicPeriod"/>
+            </a:pPr>
+            <a:r>
+              <a:rPr lang="en-US" altLang="zh-CN" dirty="0" smtClean="0">
+                <a:hlinkClick r:id="rId3"/>
+              </a:rPr>
+              <a:t>Auto Run Test</a:t>
+            </a:r>
+            <a:endParaRPr lang="en-US" altLang="zh-CN" dirty="0" smtClean="0"/>
+          </a:p>
+          <a:p>
+            <a:pPr marL="342900" indent="-342900">
+              <a:buFont typeface="+mj-lt"/>
+              <a:buAutoNum type="arabicPeriod"/>
+            </a:pPr>
+            <a:r>
+              <a:rPr lang="en-US" altLang="zh-CN" dirty="0" smtClean="0">
+                <a:hlinkClick r:id="rId4"/>
+              </a:rPr>
+              <a:t>Editor Feature</a:t>
+            </a:r>
+            <a:endParaRPr lang="en-US" altLang="zh-CN" dirty="0" smtClean="0"/>
+          </a:p>
+          <a:p>
+            <a:pPr marL="687388" lvl="1" indent="-342900">
+              <a:buFont typeface="+mj-lt"/>
+              <a:buAutoNum type="arabicPeriod"/>
+            </a:pPr>
+            <a:r>
+              <a:rPr lang="en-US" altLang="zh-CN" dirty="0" smtClean="0"/>
+              <a:t>Color?</a:t>
+            </a:r>
+            <a:endParaRPr lang="en-US" altLang="zh-CN" dirty="0" smtClean="0"/>
+          </a:p>
+          <a:p>
+            <a:pPr marL="687388" lvl="1" indent="-342900">
+              <a:buFont typeface="+mj-lt"/>
+              <a:buAutoNum type="arabicPeriod"/>
+            </a:pPr>
+            <a:r>
+              <a:rPr lang="en-US" altLang="zh-CN" dirty="0"/>
+              <a:t>Navigate </a:t>
+            </a:r>
+            <a:r>
+              <a:rPr lang="en-US" altLang="zh-CN" dirty="0" smtClean="0"/>
+              <a:t>To (Ctrl + ,), </a:t>
+            </a:r>
+            <a:r>
+              <a:rPr lang="en-US" altLang="zh-CN" dirty="0"/>
+              <a:t>Finds a symbol or file in the active </a:t>
+            </a:r>
+            <a:r>
+              <a:rPr lang="en-US" altLang="zh-CN" dirty="0" smtClean="0"/>
+              <a:t>solution</a:t>
+            </a:r>
+          </a:p>
+          <a:p>
+            <a:pPr marL="687388" lvl="1" indent="-342900">
+              <a:buFont typeface="+mj-lt"/>
+              <a:buAutoNum type="arabicPeriod"/>
+            </a:pPr>
+            <a:r>
+              <a:rPr lang="en-US" altLang="zh-CN" dirty="0"/>
+              <a:t>Using Regular Expressions in Find or Replace Text</a:t>
+            </a:r>
+            <a:endParaRPr lang="en-US" altLang="zh-CN" dirty="0" smtClean="0"/>
+          </a:p>
+          <a:p>
+            <a:pPr marL="342900" indent="-342900">
+              <a:buFont typeface="+mj-lt"/>
+              <a:buAutoNum type="arabicPeriod"/>
+            </a:pPr>
+            <a:r>
+              <a:rPr lang="en-US" altLang="zh-CN" dirty="0" smtClean="0"/>
+              <a:t>xx</a:t>
+            </a:r>
+          </a:p>
+          <a:p>
+            <a:pPr marL="342900" indent="-342900">
+              <a:buFont typeface="+mj-lt"/>
+              <a:buAutoNum type="arabicPeriod"/>
+            </a:pPr>
+            <a:endParaRPr lang="zh-CN" altLang="en-US" dirty="0"/>
+          </a:p>
+        </p:txBody>
+      </p:sp>
+    </p:spTree>
+    <p:extLst>
+      <p:ext uri="{BB962C8B-B14F-4D97-AF65-F5344CB8AC3E}">
+        <p14:creationId xmlns:p14="http://schemas.microsoft.com/office/powerpoint/2010/main" val="2615567391"/>
       </p:ext>
     </p:extLst>
   </p:cSld>
@@ -30271,7 +30452,7 @@
   </a:extraClrSchemeLst>
   <a:extLst>
     <a:ext uri="{05A4C25C-085E-4340-85A3-A5531E510DB2}">
-      <thm15:themeFamily xmlns:thm15="http://schemas.microsoft.com/office/thememl/2012/main" xmlns="" name="Presentation12" id="{DAFB7478-47B3-40DE-90C0-3857378F45FF}" vid="{6E384890-8F9F-4A11-9330-31F5F14C349B}"/>
+      <thm15:themeFamily xmlns="" xmlns:thm15="http://schemas.microsoft.com/office/thememl/2012/main" name="Presentation12" id="{DAFB7478-47B3-40DE-90C0-3857378F45FF}" vid="{6E384890-8F9F-4A11-9330-31F5F14C349B}"/>
     </a:ext>
   </a:extLst>
 </a:theme>
@@ -30604,7 +30785,7 @@
   </a:extraClrSchemeLst>
   <a:extLst>
     <a:ext uri="{05A4C25C-085E-4340-85A3-A5531E510DB2}">
-      <thm15:themeFamily xmlns:thm15="http://schemas.microsoft.com/office/thememl/2012/main" xmlns="" name="Presentation12" id="{DAFB7478-47B3-40DE-90C0-3857378F45FF}" vid="{C8BAF95F-293E-49F1-9C5A-6A7DFEFCDE30}"/>
+      <thm15:themeFamily xmlns="" xmlns:thm15="http://schemas.microsoft.com/office/thememl/2012/main" name="Presentation12" id="{DAFB7478-47B3-40DE-90C0-3857378F45FF}" vid="{C8BAF95F-293E-49F1-9C5A-6A7DFEFCDE30}"/>
     </a:ext>
   </a:extLst>
 </a:theme>
@@ -31502,7 +31683,7 @@
   </a:extraClrSchemeLst>
   <a:extLst>
     <a:ext uri="{05A4C25C-085E-4340-85A3-A5531E510DB2}">
-      <thm15:themeFamily xmlns:thm15="http://schemas.microsoft.com/office/thememl/2012/main" xmlns="" name="Presentation12" id="{DAFB7478-47B3-40DE-90C0-3857378F45FF}" vid="{21BA7CA8-7620-4C1E-95A4-65CD1B58CD3B}"/>
+      <thm15:themeFamily xmlns="" xmlns:thm15="http://schemas.microsoft.com/office/thememl/2012/main" name="Presentation12" id="{DAFB7478-47B3-40DE-90C0-3857378F45FF}" vid="{21BA7CA8-7620-4C1E-95A4-65CD1B58CD3B}"/>
     </a:ext>
   </a:extLst>
 </a:theme>
@@ -31835,7 +32016,7 @@
   </a:extraClrSchemeLst>
   <a:extLst>
     <a:ext uri="{05A4C25C-085E-4340-85A3-A5531E510DB2}">
-      <thm15:themeFamily xmlns:thm15="http://schemas.microsoft.com/office/thememl/2012/main" xmlns="" name="Presentation12" id="{DAFB7478-47B3-40DE-90C0-3857378F45FF}" vid="{62936EF5-9C78-4A9F-B13F-C44543044758}"/>
+      <thm15:themeFamily xmlns="" xmlns:thm15="http://schemas.microsoft.com/office/thememl/2012/main" name="Presentation12" id="{DAFB7478-47B3-40DE-90C0-3857378F45FF}" vid="{62936EF5-9C78-4A9F-B13F-C44543044758}"/>
     </a:ext>
   </a:extLst>
 </a:theme>
@@ -32168,7 +32349,7 @@
   </a:extraClrSchemeLst>
   <a:extLst>
     <a:ext uri="{05A4C25C-085E-4340-85A3-A5531E510DB2}">
-      <thm15:themeFamily xmlns:thm15="http://schemas.microsoft.com/office/thememl/2012/main" xmlns="" name="Presentation12" id="{DAFB7478-47B3-40DE-90C0-3857378F45FF}" vid="{AF3762C5-E896-4764-88B9-1C96F93B9BCD}"/>
+      <thm15:themeFamily xmlns="" xmlns:thm15="http://schemas.microsoft.com/office/thememl/2012/main" name="Presentation12" id="{DAFB7478-47B3-40DE-90C0-3857378F45FF}" vid="{AF3762C5-E896-4764-88B9-1C96F93B9BCD}"/>
     </a:ext>
   </a:extLst>
 </a:theme>
@@ -32501,7 +32682,7 @@
   </a:extraClrSchemeLst>
   <a:extLst>
     <a:ext uri="{05A4C25C-085E-4340-85A3-A5531E510DB2}">
-      <thm15:themeFamily xmlns:thm15="http://schemas.microsoft.com/office/thememl/2012/main" xmlns="" name="Presentation12" id="{DAFB7478-47B3-40DE-90C0-3857378F45FF}" vid="{113EF733-E79B-44B7-BFB7-3203CC8C70D7}"/>
+      <thm15:themeFamily xmlns="" xmlns:thm15="http://schemas.microsoft.com/office/thememl/2012/main" name="Presentation12" id="{DAFB7478-47B3-40DE-90C0-3857378F45FF}" vid="{113EF733-E79B-44B7-BFB7-3203CC8C70D7}"/>
     </a:ext>
   </a:extLst>
 </a:theme>
@@ -32834,7 +33015,7 @@
   </a:extraClrSchemeLst>
   <a:extLst>
     <a:ext uri="{05A4C25C-085E-4340-85A3-A5531E510DB2}">
-      <thm15:themeFamily xmlns:thm15="http://schemas.microsoft.com/office/thememl/2012/main" xmlns="" name="Presentation12" id="{DAFB7478-47B3-40DE-90C0-3857378F45FF}" vid="{5C4A94E3-FA97-42A4-BA2D-437C73A6F7E5}"/>
+      <thm15:themeFamily xmlns="" xmlns:thm15="http://schemas.microsoft.com/office/thememl/2012/main" name="Presentation12" id="{DAFB7478-47B3-40DE-90C0-3857378F45FF}" vid="{5C4A94E3-FA97-42A4-BA2D-437C73A6F7E5}"/>
     </a:ext>
   </a:extLst>
 </a:theme>
@@ -33167,7 +33348,7 @@
   </a:extraClrSchemeLst>
   <a:extLst>
     <a:ext uri="{05A4C25C-085E-4340-85A3-A5531E510DB2}">
-      <thm15:themeFamily xmlns:thm15="http://schemas.microsoft.com/office/thememl/2012/main" xmlns="" name="Presentation12" id="{DAFB7478-47B3-40DE-90C0-3857378F45FF}" vid="{61C20380-6C7B-4A01-A2EA-DEBD17F86DFB}"/>
+      <thm15:themeFamily xmlns="" xmlns:thm15="http://schemas.microsoft.com/office/thememl/2012/main" name="Presentation12" id="{DAFB7478-47B3-40DE-90C0-3857378F45FF}" vid="{61C20380-6C7B-4A01-A2EA-DEBD17F86DFB}"/>
     </a:ext>
   </a:extLst>
 </a:theme>
@@ -33500,7 +33681,7 @@
   </a:extraClrSchemeLst>
   <a:extLst>
     <a:ext uri="{05A4C25C-085E-4340-85A3-A5531E510DB2}">
-      <thm15:themeFamily xmlns:thm15="http://schemas.microsoft.com/office/thememl/2012/main" xmlns="" name="Presentation12" id="{DAFB7478-47B3-40DE-90C0-3857378F45FF}" vid="{C05AC854-A408-4B81-86C9-67883E0C9BF8}"/>
+      <thm15:themeFamily xmlns="" xmlns:thm15="http://schemas.microsoft.com/office/thememl/2012/main" name="Presentation12" id="{DAFB7478-47B3-40DE-90C0-3857378F45FF}" vid="{C05AC854-A408-4B81-86C9-67883E0C9BF8}"/>
     </a:ext>
   </a:extLst>
 </a:theme>
@@ -33833,19 +34014,16 @@
   </a:extraClrSchemeLst>
   <a:extLst>
     <a:ext uri="{05A4C25C-085E-4340-85A3-A5531E510DB2}">
-      <thm15:themeFamily xmlns:thm15="http://schemas.microsoft.com/office/thememl/2012/main" xmlns="" name="Presentation12" id="{DAFB7478-47B3-40DE-90C0-3857378F45FF}" vid="{532E81F1-70E5-4D00-AE0F-456D020155FE}"/>
+      <thm15:themeFamily xmlns="" xmlns:thm15="http://schemas.microsoft.com/office/thememl/2012/main" name="Presentation12" id="{DAFB7478-47B3-40DE-90C0-3857378F45FF}" vid="{532E81F1-70E5-4D00-AE0F-456D020155FE}"/>
     </a:ext>
   </a:extLst>
 </a:theme>
 </file>
 
 <file path=customXml/item1.xml><?xml version="1.0" encoding="utf-8"?>
-<?mso-contentType ?>
-<FormTemplates xmlns="http://schemas.microsoft.com/sharepoint/v3/contenttype/forms">
-  <Display>DocumentLibraryForm</Display>
-  <Edit>DocumentLibraryForm</Edit>
-  <New>DocumentLibraryForm</New>
-</FormTemplates>
+<p:properties xmlns:p="http://schemas.microsoft.com/office/2006/metadata/properties" xmlns:xsi="http://www.w3.org/2001/XMLSchema-instance">
+  <documentManagement/>
+</p:properties>
 </file>
 
 <file path=customXml/item2.xml><?xml version="1.0" encoding="utf-8"?>
@@ -33898,15 +34076,24 @@
 </file>
 
 <file path=customXml/item3.xml><?xml version="1.0" encoding="utf-8"?>
-<p:properties xmlns:p="http://schemas.microsoft.com/office/2006/metadata/properties" xmlns:xsi="http://www.w3.org/2001/XMLSchema-instance">
-  <documentManagement/>
-</p:properties>
+<?mso-contentType ?>
+<FormTemplates xmlns="http://schemas.microsoft.com/sharepoint/v3/contenttype/forms">
+  <Display>DocumentLibraryForm</Display>
+  <Edit>DocumentLibraryForm</Edit>
+  <New>DocumentLibraryForm</New>
+</FormTemplates>
 </file>
 
 <file path=customXml/itemProps1.xml><?xml version="1.0" encoding="utf-8"?>
-<ds:datastoreItem xmlns:ds="http://schemas.openxmlformats.org/officeDocument/2006/customXml" ds:itemID="{86FC490B-1F77-48C5-AC70-1DD939DBDF04}">
+<ds:datastoreItem xmlns:ds="http://schemas.openxmlformats.org/officeDocument/2006/customXml" ds:itemID="{0873BDD3-AA35-4F19-A12A-C6462BECFBD1}">
   <ds:schemaRefs>
-    <ds:schemaRef ds:uri="http://schemas.microsoft.com/sharepoint/v3/contenttype/forms"/>
+    <ds:schemaRef ds:uri="http://www.w3.org/XML/1998/namespace"/>
+    <ds:schemaRef ds:uri="http://purl.org/dc/elements/1.1/"/>
+    <ds:schemaRef ds:uri="http://schemas.microsoft.com/office/2006/documentManagement/types"/>
+    <ds:schemaRef ds:uri="http://schemas.microsoft.com/office/2006/metadata/properties"/>
+    <ds:schemaRef ds:uri="http://schemas.openxmlformats.org/package/2006/metadata/core-properties"/>
+    <ds:schemaRef ds:uri="http://purl.org/dc/dcmitype/"/>
+    <ds:schemaRef ds:uri="http://purl.org/dc/terms/"/>
   </ds:schemaRefs>
 </ds:datastoreItem>
 </file>
@@ -33927,15 +34114,9 @@
 </file>
 
 <file path=customXml/itemProps3.xml><?xml version="1.0" encoding="utf-8"?>
-<ds:datastoreItem xmlns:ds="http://schemas.openxmlformats.org/officeDocument/2006/customXml" ds:itemID="{0873BDD3-AA35-4F19-A12A-C6462BECFBD1}">
+<ds:datastoreItem xmlns:ds="http://schemas.openxmlformats.org/officeDocument/2006/customXml" ds:itemID="{86FC490B-1F77-48C5-AC70-1DD939DBDF04}">
   <ds:schemaRefs>
-    <ds:schemaRef ds:uri="http://www.w3.org/XML/1998/namespace"/>
-    <ds:schemaRef ds:uri="http://purl.org/dc/elements/1.1/"/>
-    <ds:schemaRef ds:uri="http://schemas.microsoft.com/office/2006/documentManagement/types"/>
-    <ds:schemaRef ds:uri="http://schemas.microsoft.com/office/2006/metadata/properties"/>
-    <ds:schemaRef ds:uri="http://schemas.openxmlformats.org/package/2006/metadata/core-properties"/>
-    <ds:schemaRef ds:uri="http://purl.org/dc/dcmitype/"/>
-    <ds:schemaRef ds:uri="http://purl.org/dc/terms/"/>
+    <ds:schemaRef ds:uri="http://schemas.microsoft.com/sharepoint/v3/contenttype/forms"/>
   </ds:schemaRefs>
 </ds:datastoreItem>
 </file>
--- a/Document/New Features at VS Ultimate 2013.pptx
+++ b/Document/New Features at VS Ultimate 2013.pptx
@@ -30,17 +30,17 @@
   <p:notesSz cx="7010400" cy="9296400"/>
   <p:embeddedFontLst>
     <p:embeddedFont>
+      <p:font typeface="Museo For Dell 300" panose="02000000000000000000" charset="0"/>
+      <p:regular r:id="rId21"/>
+    </p:embeddedFont>
+    <p:embeddedFont>
       <p:font typeface="Museo Sans For Dell" panose="020B0604020202020204" charset="0"/>
-      <p:regular r:id="rId21"/>
-      <p:bold r:id="rId22"/>
+      <p:regular r:id="rId22"/>
+      <p:bold r:id="rId23"/>
     </p:embeddedFont>
     <p:embeddedFont>
       <p:font typeface="Arial Black" panose="020B0A04020102020204" pitchFamily="34" charset="0"/>
-      <p:bold r:id="rId23"/>
-    </p:embeddedFont>
-    <p:embeddedFont>
-      <p:font typeface="Museo For Dell 300" panose="02000000000000000000" charset="0"/>
-      <p:regular r:id="rId24"/>
+      <p:bold r:id="rId24"/>
     </p:embeddedFont>
   </p:embeddedFontLst>
   <p:custDataLst>
@@ -173,7 +173,7 @@
   </p:defaultTextStyle>
   <p:extLst>
     <p:ext uri="{EFAFB233-063F-42B5-8137-9DF3F51BA10A}">
-      <p15:sldGuideLst xmlns="" xmlns:p15="http://schemas.microsoft.com/office/powerpoint/2012/main">
+      <p15:sldGuideLst xmlns:p15="http://schemas.microsoft.com/office/powerpoint/2012/main" xmlns="">
         <p15:guide id="1" orient="horz" pos="4111">
           <p15:clr>
             <a:srgbClr val="A4A3A4"/>
@@ -192,7 +192,7 @@
       </p15:sldGuideLst>
     </p:ext>
     <p:ext uri="{2D200454-40CA-4A62-9FC3-DE9A4176ACB9}">
-      <p15:notesGuideLst xmlns="" xmlns:p15="http://schemas.microsoft.com/office/powerpoint/2012/main">
+      <p15:notesGuideLst xmlns:p15="http://schemas.microsoft.com/office/powerpoint/2012/main" xmlns="">
         <p15:guide id="1" orient="horz" pos="2928">
           <p15:clr>
             <a:srgbClr val="A4A3A4"/>
@@ -19658,7 +19658,7 @@
                   <a:schemeClr val="bg1"/>
                 </a:buClr>
               </a:pPr>
-              <a:t>12/26/2014</a:t>
+              <a:t>12/27/2014</a:t>
             </a:fld>
             <a:endParaRPr lang="en-US" sz="900" dirty="0" smtClean="0">
               <a:solidFill>
@@ -19732,7 +19732,7 @@
                   <a:schemeClr val="bg1"/>
                 </a:buClr>
               </a:pPr>
-              <a:t>12/26/2014</a:t>
+              <a:t>12/27/2014</a:t>
             </a:fld>
             <a:endParaRPr lang="en-US" sz="900" dirty="0" smtClean="0">
               <a:solidFill>
@@ -20602,7 +20602,7 @@
                   <a:schemeClr val="bg1"/>
                 </a:buClr>
               </a:pPr>
-              <a:t>12/26/2014</a:t>
+              <a:t>12/27/2014</a:t>
             </a:fld>
             <a:endParaRPr lang="en-US" sz="900" dirty="0" smtClean="0">
               <a:solidFill>
@@ -20676,7 +20676,7 @@
                   <a:schemeClr val="bg1"/>
                 </a:buClr>
               </a:pPr>
-              <a:t>12/26/2014</a:t>
+              <a:t>12/27/2014</a:t>
             </a:fld>
             <a:endParaRPr lang="en-US" sz="900" dirty="0" smtClean="0">
               <a:solidFill>
@@ -21587,7 +21587,7 @@
                   <a:schemeClr val="bg1"/>
                 </a:buClr>
               </a:pPr>
-              <a:t>12/26/2014</a:t>
+              <a:t>12/27/2014</a:t>
             </a:fld>
             <a:endParaRPr lang="en-US" sz="1000" dirty="0" smtClean="0">
               <a:solidFill>
@@ -22591,7 +22591,7 @@
                   <a:schemeClr val="bg1"/>
                 </a:buClr>
               </a:pPr>
-              <a:t>12/26/2014</a:t>
+              <a:t>12/27/2014</a:t>
             </a:fld>
             <a:endParaRPr lang="en-US" sz="900" dirty="0" smtClean="0">
               <a:solidFill>
@@ -22665,7 +22665,7 @@
                   <a:schemeClr val="bg1"/>
                 </a:buClr>
               </a:pPr>
-              <a:t>12/26/2014</a:t>
+              <a:t>12/27/2014</a:t>
             </a:fld>
             <a:endParaRPr lang="en-US" sz="900" dirty="0" smtClean="0">
               <a:solidFill>
@@ -23434,7 +23434,7 @@
                   <a:schemeClr val="bg1"/>
                 </a:buClr>
               </a:pPr>
-              <a:t>12/26/2014</a:t>
+              <a:t>12/27/2014</a:t>
             </a:fld>
             <a:endParaRPr lang="en-US" sz="900" dirty="0" smtClean="0">
               <a:solidFill>
@@ -23508,7 +23508,7 @@
                   <a:schemeClr val="bg1"/>
                 </a:buClr>
               </a:pPr>
-              <a:t>12/26/2014</a:t>
+              <a:t>12/27/2014</a:t>
             </a:fld>
             <a:endParaRPr lang="en-US" sz="900" dirty="0" smtClean="0">
               <a:solidFill>
@@ -24418,7 +24418,7 @@
                   <a:schemeClr val="bg1"/>
                 </a:buClr>
               </a:pPr>
-              <a:t>12/26/2014</a:t>
+              <a:t>12/27/2014</a:t>
             </a:fld>
             <a:endParaRPr lang="en-US" sz="900" dirty="0" smtClean="0">
               <a:solidFill>
@@ -24492,7 +24492,7 @@
                   <a:schemeClr val="bg1"/>
                 </a:buClr>
               </a:pPr>
-              <a:t>12/26/2014</a:t>
+              <a:t>12/27/2014</a:t>
             </a:fld>
             <a:endParaRPr lang="en-US" sz="900" dirty="0" smtClean="0">
               <a:solidFill>
@@ -25402,7 +25402,7 @@
                   <a:schemeClr val="bg1"/>
                 </a:buClr>
               </a:pPr>
-              <a:t>12/26/2014</a:t>
+              <a:t>12/27/2014</a:t>
             </a:fld>
             <a:endParaRPr lang="en-US" sz="900" dirty="0" smtClean="0">
               <a:solidFill>
@@ -25476,7 +25476,7 @@
                   <a:schemeClr val="bg1"/>
                 </a:buClr>
               </a:pPr>
-              <a:t>12/26/2014</a:t>
+              <a:t>12/27/2014</a:t>
             </a:fld>
             <a:endParaRPr lang="en-US" sz="900" dirty="0" smtClean="0">
               <a:solidFill>
@@ -26386,7 +26386,7 @@
                   <a:schemeClr val="bg1"/>
                 </a:buClr>
               </a:pPr>
-              <a:t>12/26/2014</a:t>
+              <a:t>12/27/2014</a:t>
             </a:fld>
             <a:endParaRPr lang="en-US" sz="900" dirty="0" smtClean="0">
               <a:solidFill>
@@ -26460,7 +26460,7 @@
                   <a:schemeClr val="bg1"/>
                 </a:buClr>
               </a:pPr>
-              <a:t>12/26/2014</a:t>
+              <a:t>12/27/2014</a:t>
             </a:fld>
             <a:endParaRPr lang="en-US" sz="900" dirty="0" smtClean="0">
               <a:solidFill>
@@ -27369,7 +27369,7 @@
                   <a:schemeClr val="bg1"/>
                 </a:buClr>
               </a:pPr>
-              <a:t>12/26/2014</a:t>
+              <a:t>12/27/2014</a:t>
             </a:fld>
             <a:endParaRPr lang="en-US" sz="900" dirty="0" smtClean="0">
               <a:solidFill>
@@ -27443,7 +27443,7 @@
                   <a:schemeClr val="bg1"/>
                 </a:buClr>
               </a:pPr>
-              <a:t>12/26/2014</a:t>
+              <a:t>12/27/2014</a:t>
             </a:fld>
             <a:endParaRPr lang="en-US" sz="900" dirty="0" smtClean="0">
               <a:solidFill>
@@ -28352,7 +28352,7 @@
                   <a:schemeClr val="bg1"/>
                 </a:buClr>
               </a:pPr>
-              <a:t>12/26/2014</a:t>
+              <a:t>12/27/2014</a:t>
             </a:fld>
             <a:endParaRPr lang="en-US" sz="900" dirty="0" smtClean="0">
               <a:solidFill>
@@ -28426,7 +28426,7 @@
                   <a:schemeClr val="bg1"/>
                 </a:buClr>
               </a:pPr>
-              <a:t>12/26/2014</a:t>
+              <a:t>12/27/2014</a:t>
             </a:fld>
             <a:endParaRPr lang="en-US" sz="900" dirty="0" smtClean="0">
               <a:solidFill>
@@ -29290,27 +29290,15 @@
               <a:buAutoNum type="arabicPeriod"/>
             </a:pPr>
             <a:r>
-              <a:rPr lang="en-US" dirty="0"/>
-              <a:t>Use </a:t>
-            </a:r>
-            <a:r>
-              <a:rPr lang="en-US" dirty="0" err="1"/>
-              <a:t>IntelliTrace</a:t>
-            </a:r>
-            <a:r>
-              <a:rPr lang="en-US" dirty="0"/>
-              <a:t> for historical debugging, even in </a:t>
-            </a:r>
-            <a:r>
-              <a:rPr lang="en-US" dirty="0" smtClean="0"/>
-              <a:t>production (</a:t>
-            </a:r>
-            <a:r>
-              <a:rPr lang="en-US" dirty="0" err="1" smtClean="0"/>
-              <a:t>IntelliTrace</a:t>
-            </a:r>
-            <a:r>
-              <a:rPr lang="en-US" dirty="0" smtClean="0"/>
+              <a:rPr lang="en-US" altLang="zh-CN" dirty="0"/>
+              <a:t>Quickly get the information you need, in context (</a:t>
+            </a:r>
+            <a:r>
+              <a:rPr lang="en-US" altLang="zh-CN" dirty="0" err="1"/>
+              <a:t>CodeLens</a:t>
+            </a:r>
+            <a:r>
+              <a:rPr lang="en-US" altLang="zh-CN" dirty="0"/>
               <a:t>)</a:t>
             </a:r>
           </a:p>
@@ -29320,12 +29308,16 @@
               <a:buAutoNum type="arabicPeriod"/>
             </a:pPr>
             <a:r>
-              <a:rPr lang="en-US" strike="sngStrike" dirty="0"/>
-              <a:t>Test to ensure scalability and performance in </a:t>
-            </a:r>
-            <a:r>
-              <a:rPr lang="en-US" strike="sngStrike" dirty="0" smtClean="0"/>
-              <a:t>production (Web)</a:t>
+              <a:rPr lang="en-US" altLang="zh-CN" dirty="0"/>
+              <a:t>Use tools to understand the relationships in existing code (</a:t>
+            </a:r>
+            <a:r>
+              <a:rPr lang="en-US" altLang="zh-CN" dirty="0" err="1"/>
+              <a:t>CodeMap</a:t>
+            </a:r>
+            <a:r>
+              <a:rPr lang="en-US" altLang="zh-CN" dirty="0"/>
+              <a:t>)</a:t>
             </a:r>
           </a:p>
           <a:p>
@@ -29334,8 +29326,12 @@
               <a:buAutoNum type="arabicPeriod"/>
             </a:pPr>
             <a:r>
+              <a:rPr lang="en-US" dirty="0" smtClean="0"/>
+              <a:t>Visualize </a:t>
+            </a:r>
+            <a:r>
               <a:rPr lang="en-US" dirty="0"/>
-              <a:t>Visualize the structure of an application with UML </a:t>
+              <a:t>the structure of an application with UML </a:t>
             </a:r>
             <a:r>
               <a:rPr lang="en-US" dirty="0" smtClean="0"/>
@@ -29353,7 +29349,11 @@
             </a:r>
             <a:r>
               <a:rPr lang="en-US" dirty="0" smtClean="0"/>
-              <a:t>dependencies (Layer Diagrams)</a:t>
+              <a:t>dependencies (Layer Diagrams</a:t>
+            </a:r>
+            <a:r>
+              <a:rPr lang="en-US" dirty="0" smtClean="0"/>
+              <a:t>)</a:t>
             </a:r>
           </a:p>
           <a:p>
@@ -29362,12 +29362,24 @@
               <a:buAutoNum type="arabicPeriod"/>
             </a:pPr>
             <a:r>
-              <a:rPr lang="en-US" dirty="0"/>
-              <a:t>Use tools to understand the relationships in existing </a:t>
-            </a:r>
-            <a:r>
-              <a:rPr lang="en-US" dirty="0" smtClean="0"/>
-              <a:t>code (CodeMap)</a:t>
+              <a:rPr lang="en-US" altLang="zh-CN" dirty="0"/>
+              <a:t>Use </a:t>
+            </a:r>
+            <a:r>
+              <a:rPr lang="en-US" altLang="zh-CN" dirty="0" err="1"/>
+              <a:t>IntelliTrace</a:t>
+            </a:r>
+            <a:r>
+              <a:rPr lang="en-US" altLang="zh-CN" dirty="0"/>
+              <a:t> for historical debugging, even in production (</a:t>
+            </a:r>
+            <a:r>
+              <a:rPr lang="en-US" altLang="zh-CN" dirty="0" err="1"/>
+              <a:t>IntelliTrace</a:t>
+            </a:r>
+            <a:r>
+              <a:rPr lang="en-US" altLang="zh-CN" dirty="0"/>
+              <a:t>)</a:t>
             </a:r>
           </a:p>
           <a:p>
@@ -29375,14 +29387,7 @@
               <a:buFont typeface="+mj-lt"/>
               <a:buAutoNum type="arabicPeriod"/>
             </a:pPr>
-            <a:r>
-              <a:rPr lang="en-US" dirty="0"/>
-              <a:t>Quickly get the information you need, in </a:t>
-            </a:r>
-            <a:r>
-              <a:rPr lang="en-US" dirty="0" smtClean="0"/>
-              <a:t>context (CodeLens)</a:t>
-            </a:r>
+            <a:endParaRPr lang="en-US" dirty="0" smtClean="0"/>
           </a:p>
           <a:p>
             <a:pPr marL="342900" indent="-342900">
@@ -29984,7 +29989,12 @@
             <p:ph sz="half" idx="1"/>
           </p:nvPr>
         </p:nvSpPr>
-        <p:spPr/>
+        <p:spPr>
+          <a:xfrm>
+            <a:off x="364632" y="1706880"/>
+            <a:ext cx="4348045" cy="4267200"/>
+          </a:xfrm>
+        </p:spPr>
         <p:txBody>
           <a:bodyPr/>
           <a:lstStyle/>
@@ -30040,7 +30050,7 @@
             </a:pPr>
             <a:r>
               <a:rPr lang="en-US" altLang="zh-CN" dirty="0" smtClean="0"/>
-              <a:t>Color?</a:t>
+              <a:t>Color of the left margin</a:t>
             </a:r>
             <a:endParaRPr lang="en-US" altLang="zh-CN" dirty="0" smtClean="0"/>
           </a:p>
@@ -30096,6 +30106,60 @@
           </a:p>
         </p:txBody>
       </p:sp>
+      <p:pic>
+        <p:nvPicPr>
+          <p:cNvPr id="1026" name="Picture 2"/>
+          <p:cNvPicPr>
+            <a:picLocks noChangeAspect="1" noChangeArrowheads="1"/>
+          </p:cNvPicPr>
+          <p:nvPr/>
+        </p:nvPicPr>
+        <p:blipFill>
+          <a:blip r:embed="rId5">
+            <a:extLst>
+              <a:ext uri="{28A0092B-C50C-407E-A947-70E740481C1C}">
+                <a14:useLocalDpi xmlns:a14="http://schemas.microsoft.com/office/drawing/2010/main" val="0"/>
+              </a:ext>
+            </a:extLst>
+          </a:blip>
+          <a:srcRect/>
+          <a:stretch>
+            <a:fillRect/>
+          </a:stretch>
+        </p:blipFill>
+        <p:spPr bwMode="auto">
+          <a:xfrm>
+            <a:off x="4889622" y="2060331"/>
+            <a:ext cx="2600325" cy="1009650"/>
+          </a:xfrm>
+          <a:prstGeom prst="rect">
+            <a:avLst/>
+          </a:prstGeom>
+          <a:noFill/>
+          <a:ln>
+            <a:noFill/>
+          </a:ln>
+          <a:extLst>
+            <a:ext uri="{909E8E84-426E-40DD-AFC4-6F175D3DCCD1}">
+              <a14:hiddenFill xmlns:a14="http://schemas.microsoft.com/office/drawing/2010/main">
+                <a:solidFill>
+                  <a:schemeClr val="accent1"/>
+                </a:solidFill>
+              </a14:hiddenFill>
+            </a:ext>
+            <a:ext uri="{91240B29-F687-4F45-9708-019B960494DF}">
+              <a14:hiddenLine xmlns:a14="http://schemas.microsoft.com/office/drawing/2010/main" w="9525">
+                <a:solidFill>
+                  <a:schemeClr val="tx1"/>
+                </a:solidFill>
+                <a:miter lim="800000"/>
+                <a:headEnd/>
+                <a:tailEnd/>
+              </a14:hiddenLine>
+            </a:ext>
+          </a:extLst>
+        </p:spPr>
+      </p:pic>
     </p:spTree>
     <p:extLst>
       <p:ext uri="{BB962C8B-B14F-4D97-AF65-F5344CB8AC3E}">
@@ -30452,7 +30516,7 @@
   </a:extraClrSchemeLst>
   <a:extLst>
     <a:ext uri="{05A4C25C-085E-4340-85A3-A5531E510DB2}">
-      <thm15:themeFamily xmlns="" xmlns:thm15="http://schemas.microsoft.com/office/thememl/2012/main" name="Presentation12" id="{DAFB7478-47B3-40DE-90C0-3857378F45FF}" vid="{6E384890-8F9F-4A11-9330-31F5F14C349B}"/>
+      <thm15:themeFamily xmlns:thm15="http://schemas.microsoft.com/office/thememl/2012/main" xmlns="" name="Presentation12" id="{DAFB7478-47B3-40DE-90C0-3857378F45FF}" vid="{6E384890-8F9F-4A11-9330-31F5F14C349B}"/>
     </a:ext>
   </a:extLst>
 </a:theme>
@@ -30785,7 +30849,7 @@
   </a:extraClrSchemeLst>
   <a:extLst>
     <a:ext uri="{05A4C25C-085E-4340-85A3-A5531E510DB2}">
-      <thm15:themeFamily xmlns="" xmlns:thm15="http://schemas.microsoft.com/office/thememl/2012/main" name="Presentation12" id="{DAFB7478-47B3-40DE-90C0-3857378F45FF}" vid="{C8BAF95F-293E-49F1-9C5A-6A7DFEFCDE30}"/>
+      <thm15:themeFamily xmlns:thm15="http://schemas.microsoft.com/office/thememl/2012/main" xmlns="" name="Presentation12" id="{DAFB7478-47B3-40DE-90C0-3857378F45FF}" vid="{C8BAF95F-293E-49F1-9C5A-6A7DFEFCDE30}"/>
     </a:ext>
   </a:extLst>
 </a:theme>
@@ -31683,7 +31747,7 @@
   </a:extraClrSchemeLst>
   <a:extLst>
     <a:ext uri="{05A4C25C-085E-4340-85A3-A5531E510DB2}">
-      <thm15:themeFamily xmlns="" xmlns:thm15="http://schemas.microsoft.com/office/thememl/2012/main" name="Presentation12" id="{DAFB7478-47B3-40DE-90C0-3857378F45FF}" vid="{21BA7CA8-7620-4C1E-95A4-65CD1B58CD3B}"/>
+      <thm15:themeFamily xmlns:thm15="http://schemas.microsoft.com/office/thememl/2012/main" xmlns="" name="Presentation12" id="{DAFB7478-47B3-40DE-90C0-3857378F45FF}" vid="{21BA7CA8-7620-4C1E-95A4-65CD1B58CD3B}"/>
     </a:ext>
   </a:extLst>
 </a:theme>
@@ -32016,7 +32080,7 @@
   </a:extraClrSchemeLst>
   <a:extLst>
     <a:ext uri="{05A4C25C-085E-4340-85A3-A5531E510DB2}">
-      <thm15:themeFamily xmlns="" xmlns:thm15="http://schemas.microsoft.com/office/thememl/2012/main" name="Presentation12" id="{DAFB7478-47B3-40DE-90C0-3857378F45FF}" vid="{62936EF5-9C78-4A9F-B13F-C44543044758}"/>
+      <thm15:themeFamily xmlns:thm15="http://schemas.microsoft.com/office/thememl/2012/main" xmlns="" name="Presentation12" id="{DAFB7478-47B3-40DE-90C0-3857378F45FF}" vid="{62936EF5-9C78-4A9F-B13F-C44543044758}"/>
     </a:ext>
   </a:extLst>
 </a:theme>
@@ -32349,7 +32413,7 @@
   </a:extraClrSchemeLst>
   <a:extLst>
     <a:ext uri="{05A4C25C-085E-4340-85A3-A5531E510DB2}">
-      <thm15:themeFamily xmlns="" xmlns:thm15="http://schemas.microsoft.com/office/thememl/2012/main" name="Presentation12" id="{DAFB7478-47B3-40DE-90C0-3857378F45FF}" vid="{AF3762C5-E896-4764-88B9-1C96F93B9BCD}"/>
+      <thm15:themeFamily xmlns:thm15="http://schemas.microsoft.com/office/thememl/2012/main" xmlns="" name="Presentation12" id="{DAFB7478-47B3-40DE-90C0-3857378F45FF}" vid="{AF3762C5-E896-4764-88B9-1C96F93B9BCD}"/>
     </a:ext>
   </a:extLst>
 </a:theme>
@@ -32682,7 +32746,7 @@
   </a:extraClrSchemeLst>
   <a:extLst>
     <a:ext uri="{05A4C25C-085E-4340-85A3-A5531E510DB2}">
-      <thm15:themeFamily xmlns="" xmlns:thm15="http://schemas.microsoft.com/office/thememl/2012/main" name="Presentation12" id="{DAFB7478-47B3-40DE-90C0-3857378F45FF}" vid="{113EF733-E79B-44B7-BFB7-3203CC8C70D7}"/>
+      <thm15:themeFamily xmlns:thm15="http://schemas.microsoft.com/office/thememl/2012/main" xmlns="" name="Presentation12" id="{DAFB7478-47B3-40DE-90C0-3857378F45FF}" vid="{113EF733-E79B-44B7-BFB7-3203CC8C70D7}"/>
     </a:ext>
   </a:extLst>
 </a:theme>
@@ -33015,7 +33079,7 @@
   </a:extraClrSchemeLst>
   <a:extLst>
     <a:ext uri="{05A4C25C-085E-4340-85A3-A5531E510DB2}">
-      <thm15:themeFamily xmlns="" xmlns:thm15="http://schemas.microsoft.com/office/thememl/2012/main" name="Presentation12" id="{DAFB7478-47B3-40DE-90C0-3857378F45FF}" vid="{5C4A94E3-FA97-42A4-BA2D-437C73A6F7E5}"/>
+      <thm15:themeFamily xmlns:thm15="http://schemas.microsoft.com/office/thememl/2012/main" xmlns="" name="Presentation12" id="{DAFB7478-47B3-40DE-90C0-3857378F45FF}" vid="{5C4A94E3-FA97-42A4-BA2D-437C73A6F7E5}"/>
     </a:ext>
   </a:extLst>
 </a:theme>
@@ -33348,7 +33412,7 @@
   </a:extraClrSchemeLst>
   <a:extLst>
     <a:ext uri="{05A4C25C-085E-4340-85A3-A5531E510DB2}">
-      <thm15:themeFamily xmlns="" xmlns:thm15="http://schemas.microsoft.com/office/thememl/2012/main" name="Presentation12" id="{DAFB7478-47B3-40DE-90C0-3857378F45FF}" vid="{61C20380-6C7B-4A01-A2EA-DEBD17F86DFB}"/>
+      <thm15:themeFamily xmlns:thm15="http://schemas.microsoft.com/office/thememl/2012/main" xmlns="" name="Presentation12" id="{DAFB7478-47B3-40DE-90C0-3857378F45FF}" vid="{61C20380-6C7B-4A01-A2EA-DEBD17F86DFB}"/>
     </a:ext>
   </a:extLst>
 </a:theme>
@@ -33681,7 +33745,7 @@
   </a:extraClrSchemeLst>
   <a:extLst>
     <a:ext uri="{05A4C25C-085E-4340-85A3-A5531E510DB2}">
-      <thm15:themeFamily xmlns="" xmlns:thm15="http://schemas.microsoft.com/office/thememl/2012/main" name="Presentation12" id="{DAFB7478-47B3-40DE-90C0-3857378F45FF}" vid="{C05AC854-A408-4B81-86C9-67883E0C9BF8}"/>
+      <thm15:themeFamily xmlns:thm15="http://schemas.microsoft.com/office/thememl/2012/main" xmlns="" name="Presentation12" id="{DAFB7478-47B3-40DE-90C0-3857378F45FF}" vid="{C05AC854-A408-4B81-86C9-67883E0C9BF8}"/>
     </a:ext>
   </a:extLst>
 </a:theme>
@@ -34014,16 +34078,19 @@
   </a:extraClrSchemeLst>
   <a:extLst>
     <a:ext uri="{05A4C25C-085E-4340-85A3-A5531E510DB2}">
-      <thm15:themeFamily xmlns="" xmlns:thm15="http://schemas.microsoft.com/office/thememl/2012/main" name="Presentation12" id="{DAFB7478-47B3-40DE-90C0-3857378F45FF}" vid="{532E81F1-70E5-4D00-AE0F-456D020155FE}"/>
+      <thm15:themeFamily xmlns:thm15="http://schemas.microsoft.com/office/thememl/2012/main" xmlns="" name="Presentation12" id="{DAFB7478-47B3-40DE-90C0-3857378F45FF}" vid="{532E81F1-70E5-4D00-AE0F-456D020155FE}"/>
     </a:ext>
   </a:extLst>
 </a:theme>
 </file>
 
 <file path=customXml/item1.xml><?xml version="1.0" encoding="utf-8"?>
-<p:properties xmlns:p="http://schemas.microsoft.com/office/2006/metadata/properties" xmlns:xsi="http://www.w3.org/2001/XMLSchema-instance">
-  <documentManagement/>
-</p:properties>
+<?mso-contentType ?>
+<FormTemplates xmlns="http://schemas.microsoft.com/sharepoint/v3/contenttype/forms">
+  <Display>DocumentLibraryForm</Display>
+  <Edit>DocumentLibraryForm</Edit>
+  <New>DocumentLibraryForm</New>
+</FormTemplates>
 </file>
 
 <file path=customXml/item2.xml><?xml version="1.0" encoding="utf-8"?>
@@ -34076,24 +34143,15 @@
 </file>
 
 <file path=customXml/item3.xml><?xml version="1.0" encoding="utf-8"?>
-<?mso-contentType ?>
-<FormTemplates xmlns="http://schemas.microsoft.com/sharepoint/v3/contenttype/forms">
-  <Display>DocumentLibraryForm</Display>
-  <Edit>DocumentLibraryForm</Edit>
-  <New>DocumentLibraryForm</New>
-</FormTemplates>
+<p:properties xmlns:p="http://schemas.microsoft.com/office/2006/metadata/properties" xmlns:xsi="http://www.w3.org/2001/XMLSchema-instance">
+  <documentManagement/>
+</p:properties>
 </file>
 
 <file path=customXml/itemProps1.xml><?xml version="1.0" encoding="utf-8"?>
-<ds:datastoreItem xmlns:ds="http://schemas.openxmlformats.org/officeDocument/2006/customXml" ds:itemID="{0873BDD3-AA35-4F19-A12A-C6462BECFBD1}">
+<ds:datastoreItem xmlns:ds="http://schemas.openxmlformats.org/officeDocument/2006/customXml" ds:itemID="{86FC490B-1F77-48C5-AC70-1DD939DBDF04}">
   <ds:schemaRefs>
-    <ds:schemaRef ds:uri="http://www.w3.org/XML/1998/namespace"/>
-    <ds:schemaRef ds:uri="http://purl.org/dc/elements/1.1/"/>
-    <ds:schemaRef ds:uri="http://schemas.microsoft.com/office/2006/documentManagement/types"/>
-    <ds:schemaRef ds:uri="http://schemas.microsoft.com/office/2006/metadata/properties"/>
-    <ds:schemaRef ds:uri="http://schemas.openxmlformats.org/package/2006/metadata/core-properties"/>
-    <ds:schemaRef ds:uri="http://purl.org/dc/dcmitype/"/>
-    <ds:schemaRef ds:uri="http://purl.org/dc/terms/"/>
+    <ds:schemaRef ds:uri="http://schemas.microsoft.com/sharepoint/v3/contenttype/forms"/>
   </ds:schemaRefs>
 </ds:datastoreItem>
 </file>
@@ -34114,9 +34172,15 @@
 </file>
 
 <file path=customXml/itemProps3.xml><?xml version="1.0" encoding="utf-8"?>
-<ds:datastoreItem xmlns:ds="http://schemas.openxmlformats.org/officeDocument/2006/customXml" ds:itemID="{86FC490B-1F77-48C5-AC70-1DD939DBDF04}">
+<ds:datastoreItem xmlns:ds="http://schemas.openxmlformats.org/officeDocument/2006/customXml" ds:itemID="{0873BDD3-AA35-4F19-A12A-C6462BECFBD1}">
   <ds:schemaRefs>
-    <ds:schemaRef ds:uri="http://schemas.microsoft.com/sharepoint/v3/contenttype/forms"/>
+    <ds:schemaRef ds:uri="http://www.w3.org/XML/1998/namespace"/>
+    <ds:schemaRef ds:uri="http://purl.org/dc/elements/1.1/"/>
+    <ds:schemaRef ds:uri="http://schemas.microsoft.com/office/2006/documentManagement/types"/>
+    <ds:schemaRef ds:uri="http://schemas.microsoft.com/office/2006/metadata/properties"/>
+    <ds:schemaRef ds:uri="http://schemas.openxmlformats.org/package/2006/metadata/core-properties"/>
+    <ds:schemaRef ds:uri="http://purl.org/dc/dcmitype/"/>
+    <ds:schemaRef ds:uri="http://purl.org/dc/terms/"/>
   </ds:schemaRefs>
 </ds:datastoreItem>
 </file>
--- a/Document/New Features at VS Ultimate 2013.pptx
+++ b/Document/New Features at VS Ultimate 2013.pptx
@@ -14,37 +14,38 @@
     <p:sldMasterId id="2147484321" r:id="rId13"/>
   </p:sldMasterIdLst>
   <p:notesMasterIdLst>
-    <p:notesMasterId r:id="rId19"/>
+    <p:notesMasterId r:id="rId20"/>
   </p:notesMasterIdLst>
   <p:handoutMasterIdLst>
-    <p:handoutMasterId r:id="rId20"/>
+    <p:handoutMasterId r:id="rId21"/>
   </p:handoutMasterIdLst>
   <p:sldIdLst>
     <p:sldId id="256" r:id="rId14"/>
     <p:sldId id="257" r:id="rId15"/>
     <p:sldId id="258" r:id="rId16"/>
     <p:sldId id="259" r:id="rId17"/>
-    <p:sldId id="260" r:id="rId18"/>
+    <p:sldId id="261" r:id="rId18"/>
+    <p:sldId id="260" r:id="rId19"/>
   </p:sldIdLst>
   <p:sldSz cx="9144000" cy="6858000" type="screen4x3"/>
   <p:notesSz cx="7010400" cy="9296400"/>
   <p:embeddedFontLst>
     <p:embeddedFont>
-      <p:font typeface="Museo For Dell 300" panose="02000000000000000000" charset="0"/>
-      <p:regular r:id="rId21"/>
-    </p:embeddedFont>
-    <p:embeddedFont>
-      <p:font typeface="Museo Sans For Dell" panose="020B0604020202020204" charset="0"/>
+      <p:font typeface="museo sans for dell" panose="020B0604020202020204" charset="0"/>
       <p:regular r:id="rId22"/>
       <p:bold r:id="rId23"/>
     </p:embeddedFont>
     <p:embeddedFont>
+      <p:font typeface="Museo For Dell 300" panose="02000000000000000000" charset="0"/>
+      <p:regular r:id="rId24"/>
+    </p:embeddedFont>
+    <p:embeddedFont>
       <p:font typeface="Arial Black" panose="020B0A04020102020204" pitchFamily="34" charset="0"/>
-      <p:bold r:id="rId24"/>
+      <p:bold r:id="rId25"/>
     </p:embeddedFont>
   </p:embeddedFontLst>
   <p:custDataLst>
-    <p:tags r:id="rId25"/>
+    <p:tags r:id="rId26"/>
   </p:custDataLst>
   <p:defaultTextStyle>
     <a:defPPr>
@@ -173,7 +174,7 @@
   </p:defaultTextStyle>
   <p:extLst>
     <p:ext uri="{EFAFB233-063F-42B5-8137-9DF3F51BA10A}">
-      <p15:sldGuideLst xmlns:p15="http://schemas.microsoft.com/office/powerpoint/2012/main" xmlns="">
+      <p15:sldGuideLst xmlns="" xmlns:p15="http://schemas.microsoft.com/office/powerpoint/2012/main">
         <p15:guide id="1" orient="horz" pos="4111">
           <p15:clr>
             <a:srgbClr val="A4A3A4"/>
@@ -192,7 +193,7 @@
       </p15:sldGuideLst>
     </p:ext>
     <p:ext uri="{2D200454-40CA-4A62-9FC3-DE9A4176ACB9}">
-      <p15:notesGuideLst xmlns:p15="http://schemas.microsoft.com/office/powerpoint/2012/main" xmlns="">
+      <p15:notesGuideLst xmlns="" xmlns:p15="http://schemas.microsoft.com/office/powerpoint/2012/main">
         <p15:guide id="1" orient="horz" pos="2928">
           <p15:clr>
             <a:srgbClr val="A4A3A4"/>
@@ -1385,6 +1386,226 @@
 </p:notes>
 </file>
 
+<file path=ppt/notesSlides/notesSlide4.xml><?xml version="1.0" encoding="utf-8"?>
+<p:notes xmlns:a="http://schemas.openxmlformats.org/drawingml/2006/main" xmlns:r="http://schemas.openxmlformats.org/officeDocument/2006/relationships" xmlns:p="http://schemas.openxmlformats.org/presentationml/2006/main">
+  <p:cSld>
+    <p:spTree>
+      <p:nvGrpSpPr>
+        <p:cNvPr id="1" name=""/>
+        <p:cNvGrpSpPr/>
+        <p:nvPr/>
+      </p:nvGrpSpPr>
+      <p:grpSpPr>
+        <a:xfrm>
+          <a:off x="0" y="0"/>
+          <a:ext cx="0" cy="0"/>
+          <a:chOff x="0" y="0"/>
+          <a:chExt cx="0" cy="0"/>
+        </a:xfrm>
+      </p:grpSpPr>
+      <p:sp>
+        <p:nvSpPr>
+          <p:cNvPr id="2" name="Slide Image Placeholder 1"/>
+          <p:cNvSpPr>
+            <a:spLocks noGrp="1" noRot="1" noChangeAspect="1"/>
+          </p:cNvSpPr>
+          <p:nvPr>
+            <p:ph type="sldImg"/>
+          </p:nvPr>
+        </p:nvSpPr>
+        <p:spPr/>
+      </p:sp>
+      <p:sp>
+        <p:nvSpPr>
+          <p:cNvPr id="3" name="Notes Placeholder 2"/>
+          <p:cNvSpPr>
+            <a:spLocks noGrp="1"/>
+          </p:cNvSpPr>
+          <p:nvPr>
+            <p:ph type="body" idx="1"/>
+          </p:nvPr>
+        </p:nvSpPr>
+        <p:spPr/>
+        <p:txBody>
+          <a:bodyPr/>
+          <a:lstStyle/>
+          <a:p>
+            <a:pPr marL="228600" marR="0" indent="-228600" algn="l" defTabSz="914400" rtl="0" eaLnBrk="0" fontAlgn="base" latinLnBrk="0" hangingPunct="0">
+              <a:lnSpc>
+                <a:spcPct val="100000"/>
+              </a:lnSpc>
+              <a:spcBef>
+                <a:spcPct val="30000"/>
+              </a:spcBef>
+              <a:spcAft>
+                <a:spcPct val="0"/>
+              </a:spcAft>
+              <a:buClrTx/>
+              <a:buSzTx/>
+              <a:buFontTx/>
+              <a:buAutoNum type="arabicPeriod"/>
+              <a:tabLst/>
+              <a:defRPr/>
+            </a:pPr>
+            <a:r>
+              <a:rPr lang="en-US" sz="1200" b="0" i="0" kern="1200" dirty="0" smtClean="0">
+                <a:solidFill>
+                  <a:schemeClr val="tx1"/>
+                </a:solidFill>
+                <a:effectLst/>
+                <a:latin typeface="Museo Sans For Dell" pitchFamily="2" charset="0"/>
+                <a:ea typeface="+mn-ea"/>
+                <a:cs typeface="+mn-cs"/>
+              </a:rPr>
+              <a:t>Developing Models for Software Design</a:t>
+            </a:r>
+            <a:r>
+              <a:rPr lang="en-US" sz="1200" b="0" i="0" kern="1200" dirty="0" smtClean="0">
+                <a:solidFill>
+                  <a:schemeClr val="tx1"/>
+                </a:solidFill>
+                <a:effectLst/>
+                <a:latin typeface="Museo Sans For Dell" pitchFamily="2" charset="0"/>
+                <a:ea typeface="+mn-ea"/>
+                <a:cs typeface="+mn-cs"/>
+              </a:rPr>
+              <a:t/>
+            </a:r>
+            <a:br>
+              <a:rPr lang="en-US" sz="1200" b="0" i="0" kern="1200" dirty="0" smtClean="0">
+                <a:solidFill>
+                  <a:schemeClr val="tx1"/>
+                </a:solidFill>
+                <a:effectLst/>
+                <a:latin typeface="Museo Sans For Dell" pitchFamily="2" charset="0"/>
+                <a:ea typeface="+mn-ea"/>
+                <a:cs typeface="+mn-cs"/>
+              </a:rPr>
+            </a:br>
+            <a:r>
+              <a:rPr lang="en-US" sz="1200" b="0" i="0" kern="1200" dirty="0" smtClean="0">
+                <a:solidFill>
+                  <a:schemeClr val="tx1"/>
+                </a:solidFill>
+                <a:effectLst/>
+                <a:latin typeface="Museo Sans For Dell" pitchFamily="2" charset="0"/>
+                <a:ea typeface="+mn-ea"/>
+                <a:cs typeface="+mn-cs"/>
+              </a:rPr>
+              <a:t>http://msdn.microsoft.com/en-us/library/vstudio/dd409436.aspx</a:t>
+            </a:r>
+          </a:p>
+          <a:p>
+            <a:pPr marL="228600" marR="0" indent="-228600" algn="l" defTabSz="914400" rtl="0" eaLnBrk="0" fontAlgn="base" latinLnBrk="0" hangingPunct="0">
+              <a:lnSpc>
+                <a:spcPct val="100000"/>
+              </a:lnSpc>
+              <a:spcBef>
+                <a:spcPct val="30000"/>
+              </a:spcBef>
+              <a:spcAft>
+                <a:spcPct val="0"/>
+              </a:spcAft>
+              <a:buClrTx/>
+              <a:buSzTx/>
+              <a:buFontTx/>
+              <a:buAutoNum type="arabicPeriod"/>
+              <a:tabLst/>
+              <a:defRPr/>
+            </a:pPr>
+            <a:r>
+              <a:rPr lang="en-US" sz="1200" b="0" i="0" kern="1200" smtClean="0">
+                <a:solidFill>
+                  <a:schemeClr val="tx1"/>
+                </a:solidFill>
+                <a:effectLst/>
+                <a:latin typeface="Museo Sans For Dell" pitchFamily="2" charset="0"/>
+                <a:ea typeface="+mn-ea"/>
+                <a:cs typeface="+mn-cs"/>
+              </a:rPr>
+              <a:t>Properties of Associations in UML Class Diagrams</a:t>
+            </a:r>
+            <a:r>
+              <a:rPr lang="en-US" sz="1200" b="0" i="0" kern="1200" dirty="0" smtClean="0">
+                <a:solidFill>
+                  <a:schemeClr val="tx1"/>
+                </a:solidFill>
+                <a:effectLst/>
+                <a:latin typeface="Museo Sans For Dell" pitchFamily="2" charset="0"/>
+                <a:ea typeface="+mn-ea"/>
+                <a:cs typeface="+mn-cs"/>
+              </a:rPr>
+              <a:t/>
+            </a:r>
+            <a:br>
+              <a:rPr lang="en-US" sz="1200" b="0" i="0" kern="1200" dirty="0" smtClean="0">
+                <a:solidFill>
+                  <a:schemeClr val="tx1"/>
+                </a:solidFill>
+                <a:effectLst/>
+                <a:latin typeface="Museo Sans For Dell" pitchFamily="2" charset="0"/>
+                <a:ea typeface="+mn-ea"/>
+                <a:cs typeface="+mn-cs"/>
+              </a:rPr>
+            </a:br>
+            <a:r>
+              <a:rPr lang="en-US" sz="1200" b="0" i="0" kern="1200" dirty="0" smtClean="0">
+                <a:solidFill>
+                  <a:schemeClr val="tx1"/>
+                </a:solidFill>
+                <a:effectLst/>
+                <a:latin typeface="Museo Sans For Dell" pitchFamily="2" charset="0"/>
+                <a:ea typeface="+mn-ea"/>
+                <a:cs typeface="+mn-cs"/>
+              </a:rPr>
+              <a:t>http://msdn.microsoft.com/en-us/library/vstudio/dd323862.aspx</a:t>
+            </a:r>
+            <a:endParaRPr lang="en-US" dirty="0"/>
+          </a:p>
+        </p:txBody>
+      </p:sp>
+      <p:sp>
+        <p:nvSpPr>
+          <p:cNvPr id="4" name="Slide Number Placeholder 3"/>
+          <p:cNvSpPr>
+            <a:spLocks noGrp="1"/>
+          </p:cNvSpPr>
+          <p:nvPr>
+            <p:ph type="sldNum" sz="quarter" idx="10"/>
+          </p:nvPr>
+        </p:nvSpPr>
+        <p:spPr/>
+        <p:txBody>
+          <a:bodyPr/>
+          <a:lstStyle/>
+          <a:p>
+            <a:pPr>
+              <a:defRPr/>
+            </a:pPr>
+            <a:fld id="{FA04BB6B-BEDE-48E4-970F-8DFC0D4B5AE7}" type="slidenum">
+              <a:rPr lang="en-US" smtClean="0"/>
+              <a:pPr>
+                <a:defRPr/>
+              </a:pPr>
+              <a:t>5</a:t>
+            </a:fld>
+            <a:endParaRPr lang="en-US" dirty="0"/>
+          </a:p>
+        </p:txBody>
+      </p:sp>
+    </p:spTree>
+    <p:extLst>
+      <p:ext uri="{BB962C8B-B14F-4D97-AF65-F5344CB8AC3E}">
+        <p14:creationId xmlns:p14="http://schemas.microsoft.com/office/powerpoint/2010/main" val="3068645235"/>
+      </p:ext>
+    </p:extLst>
+  </p:cSld>
+  <p:clrMapOvr>
+    <a:masterClrMapping/>
+  </p:clrMapOvr>
+</p:notes>
+</file>
+
 <file path=ppt/slideLayouts/slideLayout1.xml><?xml version="1.0" encoding="utf-8"?>
 <p:sldLayout xmlns:a="http://schemas.openxmlformats.org/drawingml/2006/main" xmlns:r="http://schemas.openxmlformats.org/officeDocument/2006/relationships" xmlns:p="http://schemas.openxmlformats.org/presentationml/2006/main" showMasterSp="0" preserve="1">
   <p:cSld name="Title Slide">
@@ -19658,7 +19879,7 @@
                   <a:schemeClr val="bg1"/>
                 </a:buClr>
               </a:pPr>
-              <a:t>12/27/2014</a:t>
+              <a:t>12/28/2014</a:t>
             </a:fld>
             <a:endParaRPr lang="en-US" sz="900" dirty="0" smtClean="0">
               <a:solidFill>
@@ -19732,7 +19953,7 @@
                   <a:schemeClr val="bg1"/>
                 </a:buClr>
               </a:pPr>
-              <a:t>12/27/2014</a:t>
+              <a:t>12/28/2014</a:t>
             </a:fld>
             <a:endParaRPr lang="en-US" sz="900" dirty="0" smtClean="0">
               <a:solidFill>
@@ -20602,7 +20823,7 @@
                   <a:schemeClr val="bg1"/>
                 </a:buClr>
               </a:pPr>
-              <a:t>12/27/2014</a:t>
+              <a:t>12/28/2014</a:t>
             </a:fld>
             <a:endParaRPr lang="en-US" sz="900" dirty="0" smtClean="0">
               <a:solidFill>
@@ -20676,7 +20897,7 @@
                   <a:schemeClr val="bg1"/>
                 </a:buClr>
               </a:pPr>
-              <a:t>12/27/2014</a:t>
+              <a:t>12/28/2014</a:t>
             </a:fld>
             <a:endParaRPr lang="en-US" sz="900" dirty="0" smtClean="0">
               <a:solidFill>
@@ -21587,7 +21808,7 @@
                   <a:schemeClr val="bg1"/>
                 </a:buClr>
               </a:pPr>
-              <a:t>12/27/2014</a:t>
+              <a:t>12/28/2014</a:t>
             </a:fld>
             <a:endParaRPr lang="en-US" sz="1000" dirty="0" smtClean="0">
               <a:solidFill>
@@ -22591,7 +22812,7 @@
                   <a:schemeClr val="bg1"/>
                 </a:buClr>
               </a:pPr>
-              <a:t>12/27/2014</a:t>
+              <a:t>12/28/2014</a:t>
             </a:fld>
             <a:endParaRPr lang="en-US" sz="900" dirty="0" smtClean="0">
               <a:solidFill>
@@ -22665,7 +22886,7 @@
                   <a:schemeClr val="bg1"/>
                 </a:buClr>
               </a:pPr>
-              <a:t>12/27/2014</a:t>
+              <a:t>12/28/2014</a:t>
             </a:fld>
             <a:endParaRPr lang="en-US" sz="900" dirty="0" smtClean="0">
               <a:solidFill>
@@ -23434,7 +23655,7 @@
                   <a:schemeClr val="bg1"/>
                 </a:buClr>
               </a:pPr>
-              <a:t>12/27/2014</a:t>
+              <a:t>12/28/2014</a:t>
             </a:fld>
             <a:endParaRPr lang="en-US" sz="900" dirty="0" smtClean="0">
               <a:solidFill>
@@ -23508,7 +23729,7 @@
                   <a:schemeClr val="bg1"/>
                 </a:buClr>
               </a:pPr>
-              <a:t>12/27/2014</a:t>
+              <a:t>12/28/2014</a:t>
             </a:fld>
             <a:endParaRPr lang="en-US" sz="900" dirty="0" smtClean="0">
               <a:solidFill>
@@ -24418,7 +24639,7 @@
                   <a:schemeClr val="bg1"/>
                 </a:buClr>
               </a:pPr>
-              <a:t>12/27/2014</a:t>
+              <a:t>12/28/2014</a:t>
             </a:fld>
             <a:endParaRPr lang="en-US" sz="900" dirty="0" smtClean="0">
               <a:solidFill>
@@ -24492,7 +24713,7 @@
                   <a:schemeClr val="bg1"/>
                 </a:buClr>
               </a:pPr>
-              <a:t>12/27/2014</a:t>
+              <a:t>12/28/2014</a:t>
             </a:fld>
             <a:endParaRPr lang="en-US" sz="900" dirty="0" smtClean="0">
               <a:solidFill>
@@ -25402,7 +25623,7 @@
                   <a:schemeClr val="bg1"/>
                 </a:buClr>
               </a:pPr>
-              <a:t>12/27/2014</a:t>
+              <a:t>12/28/2014</a:t>
             </a:fld>
             <a:endParaRPr lang="en-US" sz="900" dirty="0" smtClean="0">
               <a:solidFill>
@@ -25476,7 +25697,7 @@
                   <a:schemeClr val="bg1"/>
                 </a:buClr>
               </a:pPr>
-              <a:t>12/27/2014</a:t>
+              <a:t>12/28/2014</a:t>
             </a:fld>
             <a:endParaRPr lang="en-US" sz="900" dirty="0" smtClean="0">
               <a:solidFill>
@@ -26386,7 +26607,7 @@
                   <a:schemeClr val="bg1"/>
                 </a:buClr>
               </a:pPr>
-              <a:t>12/27/2014</a:t>
+              <a:t>12/28/2014</a:t>
             </a:fld>
             <a:endParaRPr lang="en-US" sz="900" dirty="0" smtClean="0">
               <a:solidFill>
@@ -26460,7 +26681,7 @@
                   <a:schemeClr val="bg1"/>
                 </a:buClr>
               </a:pPr>
-              <a:t>12/27/2014</a:t>
+              <a:t>12/28/2014</a:t>
             </a:fld>
             <a:endParaRPr lang="en-US" sz="900" dirty="0" smtClean="0">
               <a:solidFill>
@@ -27369,7 +27590,7 @@
                   <a:schemeClr val="bg1"/>
                 </a:buClr>
               </a:pPr>
-              <a:t>12/27/2014</a:t>
+              <a:t>12/28/2014</a:t>
             </a:fld>
             <a:endParaRPr lang="en-US" sz="900" dirty="0" smtClean="0">
               <a:solidFill>
@@ -27443,7 +27664,7 @@
                   <a:schemeClr val="bg1"/>
                 </a:buClr>
               </a:pPr>
-              <a:t>12/27/2014</a:t>
+              <a:t>12/28/2014</a:t>
             </a:fld>
             <a:endParaRPr lang="en-US" sz="900" dirty="0" smtClean="0">
               <a:solidFill>
@@ -28352,7 +28573,7 @@
                   <a:schemeClr val="bg1"/>
                 </a:buClr>
               </a:pPr>
-              <a:t>12/27/2014</a:t>
+              <a:t>12/28/2014</a:t>
             </a:fld>
             <a:endParaRPr lang="en-US" sz="900" dirty="0" smtClean="0">
               <a:solidFill>
@@ -28426,7 +28647,7 @@
                   <a:schemeClr val="bg1"/>
                 </a:buClr>
               </a:pPr>
-              <a:t>12/27/2014</a:t>
+              <a:t>12/28/2014</a:t>
             </a:fld>
             <a:endParaRPr lang="en-US" sz="900" dirty="0" smtClean="0">
               <a:solidFill>
@@ -29349,11 +29570,7 @@
             </a:r>
             <a:r>
               <a:rPr lang="en-US" dirty="0" smtClean="0"/>
-              <a:t>dependencies (Layer Diagrams</a:t>
-            </a:r>
-            <a:r>
-              <a:rPr lang="en-US" dirty="0" smtClean="0"/>
-              <a:t>)</a:t>
+              <a:t>dependencies (Layer Diagrams)</a:t>
             </a:r>
           </a:p>
           <a:p>
@@ -29958,6 +30175,189 @@
       </p:grpSpPr>
       <p:sp>
         <p:nvSpPr>
+          <p:cNvPr id="5" name="Text Placeholder 4"/>
+          <p:cNvSpPr>
+            <a:spLocks noGrp="1"/>
+          </p:cNvSpPr>
+          <p:nvPr>
+            <p:ph type="body" sz="quarter" idx="10"/>
+          </p:nvPr>
+        </p:nvSpPr>
+        <p:spPr>
+          <a:xfrm>
+            <a:off x="364631" y="984738"/>
+            <a:ext cx="7955280" cy="796758"/>
+          </a:xfrm>
+        </p:spPr>
+        <p:txBody>
+          <a:bodyPr>
+            <a:normAutofit/>
+          </a:bodyPr>
+          <a:lstStyle/>
+          <a:p>
+            <a:r>
+              <a:rPr lang="en-US" altLang="zh-CN" dirty="0"/>
+              <a:t>Modeling diagrams help you understand, clarify, and communicate ideas about your code and the user requirements that your software system must support.</a:t>
+            </a:r>
+            <a:endParaRPr lang="en-US" dirty="0"/>
+          </a:p>
+        </p:txBody>
+      </p:sp>
+      <p:sp>
+        <p:nvSpPr>
+          <p:cNvPr id="2" name="Title 1"/>
+          <p:cNvSpPr>
+            <a:spLocks noGrp="1"/>
+          </p:cNvSpPr>
+          <p:nvPr>
+            <p:ph type="title"/>
+          </p:nvPr>
+        </p:nvSpPr>
+        <p:spPr/>
+        <p:txBody>
+          <a:bodyPr/>
+          <a:lstStyle/>
+          <a:p>
+            <a:r>
+              <a:rPr lang="en-US" altLang="zh-CN" dirty="0" smtClean="0"/>
+              <a:t>UML</a:t>
+            </a:r>
+            <a:endParaRPr lang="en-US" dirty="0"/>
+          </a:p>
+        </p:txBody>
+      </p:sp>
+      <p:sp>
+        <p:nvSpPr>
+          <p:cNvPr id="4" name="Content Placeholder 3"/>
+          <p:cNvSpPr>
+            <a:spLocks noGrp="1"/>
+          </p:cNvSpPr>
+          <p:nvPr>
+            <p:ph sz="half" idx="1"/>
+          </p:nvPr>
+        </p:nvSpPr>
+        <p:spPr>
+          <a:xfrm>
+            <a:off x="356403" y="1706252"/>
+            <a:ext cx="7955280" cy="4389748"/>
+          </a:xfrm>
+        </p:spPr>
+        <p:txBody>
+          <a:bodyPr/>
+          <a:lstStyle/>
+          <a:p>
+            <a:r>
+              <a:rPr lang="en-US" dirty="0" smtClean="0"/>
+              <a:t>Class Diagram</a:t>
+            </a:r>
+            <a:endParaRPr lang="en-US" dirty="0" smtClean="0"/>
+          </a:p>
+          <a:p>
+            <a:r>
+              <a:rPr lang="en-US" dirty="0" smtClean="0"/>
+              <a:t>Sequence Diagram</a:t>
+            </a:r>
+            <a:endParaRPr lang="en-US" dirty="0" smtClean="0"/>
+          </a:p>
+          <a:p>
+            <a:r>
+              <a:rPr lang="en-US" dirty="0" smtClean="0"/>
+              <a:t>Use Case Diagram</a:t>
+            </a:r>
+          </a:p>
+          <a:p>
+            <a:r>
+              <a:rPr lang="en-US" dirty="0" smtClean="0"/>
+              <a:t>Activity </a:t>
+            </a:r>
+            <a:r>
+              <a:rPr lang="en-US" altLang="zh-CN" dirty="0" smtClean="0"/>
+              <a:t>Diagram</a:t>
+            </a:r>
+          </a:p>
+          <a:p>
+            <a:r>
+              <a:rPr lang="en-US" dirty="0" smtClean="0"/>
+              <a:t>Component</a:t>
+            </a:r>
+            <a:r>
+              <a:rPr lang="en-US" altLang="zh-CN" dirty="0" smtClean="0"/>
+              <a:t> </a:t>
+            </a:r>
+            <a:r>
+              <a:rPr lang="en-US" altLang="zh-CN" dirty="0"/>
+              <a:t>Diagram</a:t>
+            </a:r>
+            <a:endParaRPr lang="en-US" dirty="0" smtClean="0"/>
+          </a:p>
+          <a:p>
+            <a:r>
+              <a:rPr lang="en-US" dirty="0" smtClean="0"/>
+              <a:t>Layer</a:t>
+            </a:r>
+            <a:r>
+              <a:rPr lang="en-US" altLang="zh-CN" dirty="0"/>
+              <a:t> </a:t>
+            </a:r>
+            <a:r>
+              <a:rPr lang="en-US" altLang="zh-CN" dirty="0" smtClean="0"/>
+              <a:t>Diagram</a:t>
+            </a:r>
+          </a:p>
+          <a:p>
+            <a:r>
+              <a:rPr lang="en-US" dirty="0" smtClean="0"/>
+              <a:t>Directed Graph Document</a:t>
+            </a:r>
+            <a:endParaRPr lang="en-US" dirty="0" smtClean="0"/>
+          </a:p>
+          <a:p>
+            <a:endParaRPr lang="en-US" dirty="0"/>
+          </a:p>
+        </p:txBody>
+      </p:sp>
+    </p:spTree>
+    <p:extLst>
+      <p:ext uri="{BB962C8B-B14F-4D97-AF65-F5344CB8AC3E}">
+        <p14:creationId xmlns:p14="http://schemas.microsoft.com/office/powerpoint/2010/main" val="3993965681"/>
+      </p:ext>
+    </p:extLst>
+  </p:cSld>
+  <p:clrMapOvr>
+    <a:masterClrMapping/>
+  </p:clrMapOvr>
+  <p:transition spd="med">
+    <p:wipe dir="r"/>
+  </p:transition>
+  <p:timing>
+    <p:tnLst>
+      <p:par>
+        <p:cTn id="1" dur="indefinite" restart="never" nodeType="tmRoot"/>
+      </p:par>
+    </p:tnLst>
+  </p:timing>
+</p:sld>
+</file>
+
+<file path=ppt/slides/slide6.xml><?xml version="1.0" encoding="utf-8"?>
+<p:sld xmlns:a="http://schemas.openxmlformats.org/drawingml/2006/main" xmlns:r="http://schemas.openxmlformats.org/officeDocument/2006/relationships" xmlns:p="http://schemas.openxmlformats.org/presentationml/2006/main">
+  <p:cSld>
+    <p:spTree>
+      <p:nvGrpSpPr>
+        <p:cNvPr id="1" name=""/>
+        <p:cNvGrpSpPr/>
+        <p:nvPr/>
+      </p:nvGrpSpPr>
+      <p:grpSpPr>
+        <a:xfrm>
+          <a:off x="0" y="0"/>
+          <a:ext cx="0" cy="0"/>
+          <a:chOff x="0" y="0"/>
+          <a:chExt cx="0" cy="0"/>
+        </a:xfrm>
+      </p:grpSpPr>
+      <p:sp>
+        <p:nvSpPr>
           <p:cNvPr id="5" name="Title 4"/>
           <p:cNvSpPr>
             <a:spLocks noGrp="1"/>
@@ -30052,7 +30452,6 @@
               <a:rPr lang="en-US" altLang="zh-CN" dirty="0" smtClean="0"/>
               <a:t>Color of the left margin</a:t>
             </a:r>
-            <a:endParaRPr lang="en-US" altLang="zh-CN" dirty="0" smtClean="0"/>
           </a:p>
           <a:p>
             <a:pPr marL="687388" lvl="1" indent="-342900">
@@ -30516,7 +30915,7 @@
   </a:extraClrSchemeLst>
   <a:extLst>
     <a:ext uri="{05A4C25C-085E-4340-85A3-A5531E510DB2}">
-      <thm15:themeFamily xmlns:thm15="http://schemas.microsoft.com/office/thememl/2012/main" xmlns="" name="Presentation12" id="{DAFB7478-47B3-40DE-90C0-3857378F45FF}" vid="{6E384890-8F9F-4A11-9330-31F5F14C349B}"/>
+      <thm15:themeFamily xmlns="" xmlns:thm15="http://schemas.microsoft.com/office/thememl/2012/main" name="Presentation12" id="{DAFB7478-47B3-40DE-90C0-3857378F45FF}" vid="{6E384890-8F9F-4A11-9330-31F5F14C349B}"/>
     </a:ext>
   </a:extLst>
 </a:theme>
@@ -30849,7 +31248,7 @@
   </a:extraClrSchemeLst>
   <a:extLst>
     <a:ext uri="{05A4C25C-085E-4340-85A3-A5531E510DB2}">
-      <thm15:themeFamily xmlns:thm15="http://schemas.microsoft.com/office/thememl/2012/main" xmlns="" name="Presentation12" id="{DAFB7478-47B3-40DE-90C0-3857378F45FF}" vid="{C8BAF95F-293E-49F1-9C5A-6A7DFEFCDE30}"/>
+      <thm15:themeFamily xmlns="" xmlns:thm15="http://schemas.microsoft.com/office/thememl/2012/main" name="Presentation12" id="{DAFB7478-47B3-40DE-90C0-3857378F45FF}" vid="{C8BAF95F-293E-49F1-9C5A-6A7DFEFCDE30}"/>
     </a:ext>
   </a:extLst>
 </a:theme>
@@ -31747,7 +32146,7 @@
   </a:extraClrSchemeLst>
   <a:extLst>
     <a:ext uri="{05A4C25C-085E-4340-85A3-A5531E510DB2}">
-      <thm15:themeFamily xmlns:thm15="http://schemas.microsoft.com/office/thememl/2012/main" xmlns="" name="Presentation12" id="{DAFB7478-47B3-40DE-90C0-3857378F45FF}" vid="{21BA7CA8-7620-4C1E-95A4-65CD1B58CD3B}"/>
+      <thm15:themeFamily xmlns="" xmlns:thm15="http://schemas.microsoft.com/office/thememl/2012/main" name="Presentation12" id="{DAFB7478-47B3-40DE-90C0-3857378F45FF}" vid="{21BA7CA8-7620-4C1E-95A4-65CD1B58CD3B}"/>
     </a:ext>
   </a:extLst>
 </a:theme>
@@ -32080,7 +32479,7 @@
   </a:extraClrSchemeLst>
   <a:extLst>
     <a:ext uri="{05A4C25C-085E-4340-85A3-A5531E510DB2}">
-      <thm15:themeFamily xmlns:thm15="http://schemas.microsoft.com/office/thememl/2012/main" xmlns="" name="Presentation12" id="{DAFB7478-47B3-40DE-90C0-3857378F45FF}" vid="{62936EF5-9C78-4A9F-B13F-C44543044758}"/>
+      <thm15:themeFamily xmlns="" xmlns:thm15="http://schemas.microsoft.com/office/thememl/2012/main" name="Presentation12" id="{DAFB7478-47B3-40DE-90C0-3857378F45FF}" vid="{62936EF5-9C78-4A9F-B13F-C44543044758}"/>
     </a:ext>
   </a:extLst>
 </a:theme>
@@ -32413,7 +32812,7 @@
   </a:extraClrSchemeLst>
   <a:extLst>
     <a:ext uri="{05A4C25C-085E-4340-85A3-A5531E510DB2}">
-      <thm15:themeFamily xmlns:thm15="http://schemas.microsoft.com/office/thememl/2012/main" xmlns="" name="Presentation12" id="{DAFB7478-47B3-40DE-90C0-3857378F45FF}" vid="{AF3762C5-E896-4764-88B9-1C96F93B9BCD}"/>
+      <thm15:themeFamily xmlns="" xmlns:thm15="http://schemas.microsoft.com/office/thememl/2012/main" name="Presentation12" id="{DAFB7478-47B3-40DE-90C0-3857378F45FF}" vid="{AF3762C5-E896-4764-88B9-1C96F93B9BCD}"/>
     </a:ext>
   </a:extLst>
 </a:theme>
@@ -32746,7 +33145,7 @@
   </a:extraClrSchemeLst>
   <a:extLst>
     <a:ext uri="{05A4C25C-085E-4340-85A3-A5531E510DB2}">
-      <thm15:themeFamily xmlns:thm15="http://schemas.microsoft.com/office/thememl/2012/main" xmlns="" name="Presentation12" id="{DAFB7478-47B3-40DE-90C0-3857378F45FF}" vid="{113EF733-E79B-44B7-BFB7-3203CC8C70D7}"/>
+      <thm15:themeFamily xmlns="" xmlns:thm15="http://schemas.microsoft.com/office/thememl/2012/main" name="Presentation12" id="{DAFB7478-47B3-40DE-90C0-3857378F45FF}" vid="{113EF733-E79B-44B7-BFB7-3203CC8C70D7}"/>
     </a:ext>
   </a:extLst>
 </a:theme>
@@ -33079,7 +33478,7 @@
   </a:extraClrSchemeLst>
   <a:extLst>
     <a:ext uri="{05A4C25C-085E-4340-85A3-A5531E510DB2}">
-      <thm15:themeFamily xmlns:thm15="http://schemas.microsoft.com/office/thememl/2012/main" xmlns="" name="Presentation12" id="{DAFB7478-47B3-40DE-90C0-3857378F45FF}" vid="{5C4A94E3-FA97-42A4-BA2D-437C73A6F7E5}"/>
+      <thm15:themeFamily xmlns="" xmlns:thm15="http://schemas.microsoft.com/office/thememl/2012/main" name="Presentation12" id="{DAFB7478-47B3-40DE-90C0-3857378F45FF}" vid="{5C4A94E3-FA97-42A4-BA2D-437C73A6F7E5}"/>
     </a:ext>
   </a:extLst>
 </a:theme>
@@ -33412,7 +33811,7 @@
   </a:extraClrSchemeLst>
   <a:extLst>
     <a:ext uri="{05A4C25C-085E-4340-85A3-A5531E510DB2}">
-      <thm15:themeFamily xmlns:thm15="http://schemas.microsoft.com/office/thememl/2012/main" xmlns="" name="Presentation12" id="{DAFB7478-47B3-40DE-90C0-3857378F45FF}" vid="{61C20380-6C7B-4A01-A2EA-DEBD17F86DFB}"/>
+      <thm15:themeFamily xmlns="" xmlns:thm15="http://schemas.microsoft.com/office/thememl/2012/main" name="Presentation12" id="{DAFB7478-47B3-40DE-90C0-3857378F45FF}" vid="{61C20380-6C7B-4A01-A2EA-DEBD17F86DFB}"/>
     </a:ext>
   </a:extLst>
 </a:theme>
@@ -33745,7 +34144,7 @@
   </a:extraClrSchemeLst>
   <a:extLst>
     <a:ext uri="{05A4C25C-085E-4340-85A3-A5531E510DB2}">
-      <thm15:themeFamily xmlns:thm15="http://schemas.microsoft.com/office/thememl/2012/main" xmlns="" name="Presentation12" id="{DAFB7478-47B3-40DE-90C0-3857378F45FF}" vid="{C05AC854-A408-4B81-86C9-67883E0C9BF8}"/>
+      <thm15:themeFamily xmlns="" xmlns:thm15="http://schemas.microsoft.com/office/thememl/2012/main" name="Presentation12" id="{DAFB7478-47B3-40DE-90C0-3857378F45FF}" vid="{C05AC854-A408-4B81-86C9-67883E0C9BF8}"/>
     </a:ext>
   </a:extLst>
 </a:theme>
@@ -34078,19 +34477,16 @@
   </a:extraClrSchemeLst>
   <a:extLst>
     <a:ext uri="{05A4C25C-085E-4340-85A3-A5531E510DB2}">
-      <thm15:themeFamily xmlns:thm15="http://schemas.microsoft.com/office/thememl/2012/main" xmlns="" name="Presentation12" id="{DAFB7478-47B3-40DE-90C0-3857378F45FF}" vid="{532E81F1-70E5-4D00-AE0F-456D020155FE}"/>
+      <thm15:themeFamily xmlns="" xmlns:thm15="http://schemas.microsoft.com/office/thememl/2012/main" name="Presentation12" id="{DAFB7478-47B3-40DE-90C0-3857378F45FF}" vid="{532E81F1-70E5-4D00-AE0F-456D020155FE}"/>
     </a:ext>
   </a:extLst>
 </a:theme>
 </file>
 
 <file path=customXml/item1.xml><?xml version="1.0" encoding="utf-8"?>
-<?mso-contentType ?>
-<FormTemplates xmlns="http://schemas.microsoft.com/sharepoint/v3/contenttype/forms">
-  <Display>DocumentLibraryForm</Display>
-  <Edit>DocumentLibraryForm</Edit>
-  <New>DocumentLibraryForm</New>
-</FormTemplates>
+<p:properties xmlns:p="http://schemas.microsoft.com/office/2006/metadata/properties" xmlns:xsi="http://www.w3.org/2001/XMLSchema-instance">
+  <documentManagement/>
+</p:properties>
 </file>
 
 <file path=customXml/item2.xml><?xml version="1.0" encoding="utf-8"?>
@@ -34143,15 +34539,24 @@
 </file>
 
 <file path=customXml/item3.xml><?xml version="1.0" encoding="utf-8"?>
-<p:properties xmlns:p="http://schemas.microsoft.com/office/2006/metadata/properties" xmlns:xsi="http://www.w3.org/2001/XMLSchema-instance">
-  <documentManagement/>
-</p:properties>
+<?mso-contentType ?>
+<FormTemplates xmlns="http://schemas.microsoft.com/sharepoint/v3/contenttype/forms">
+  <Display>DocumentLibraryForm</Display>
+  <Edit>DocumentLibraryForm</Edit>
+  <New>DocumentLibraryForm</New>
+</FormTemplates>
 </file>
 
 <file path=customXml/itemProps1.xml><?xml version="1.0" encoding="utf-8"?>
-<ds:datastoreItem xmlns:ds="http://schemas.openxmlformats.org/officeDocument/2006/customXml" ds:itemID="{86FC490B-1F77-48C5-AC70-1DD939DBDF04}">
+<ds:datastoreItem xmlns:ds="http://schemas.openxmlformats.org/officeDocument/2006/customXml" ds:itemID="{0873BDD3-AA35-4F19-A12A-C6462BECFBD1}">
   <ds:schemaRefs>
-    <ds:schemaRef ds:uri="http://schemas.microsoft.com/sharepoint/v3/contenttype/forms"/>
+    <ds:schemaRef ds:uri="http://www.w3.org/XML/1998/namespace"/>
+    <ds:schemaRef ds:uri="http://purl.org/dc/elements/1.1/"/>
+    <ds:schemaRef ds:uri="http://schemas.microsoft.com/office/2006/documentManagement/types"/>
+    <ds:schemaRef ds:uri="http://schemas.microsoft.com/office/2006/metadata/properties"/>
+    <ds:schemaRef ds:uri="http://schemas.openxmlformats.org/package/2006/metadata/core-properties"/>
+    <ds:schemaRef ds:uri="http://purl.org/dc/dcmitype/"/>
+    <ds:schemaRef ds:uri="http://purl.org/dc/terms/"/>
   </ds:schemaRefs>
 </ds:datastoreItem>
 </file>
@@ -34172,15 +34577,9 @@
 </file>
 
 <file path=customXml/itemProps3.xml><?xml version="1.0" encoding="utf-8"?>
-<ds:datastoreItem xmlns:ds="http://schemas.openxmlformats.org/officeDocument/2006/customXml" ds:itemID="{0873BDD3-AA35-4F19-A12A-C6462BECFBD1}">
+<ds:datastoreItem xmlns:ds="http://schemas.openxmlformats.org/officeDocument/2006/customXml" ds:itemID="{86FC490B-1F77-48C5-AC70-1DD939DBDF04}">
   <ds:schemaRefs>
-    <ds:schemaRef ds:uri="http://www.w3.org/XML/1998/namespace"/>
-    <ds:schemaRef ds:uri="http://purl.org/dc/elements/1.1/"/>
-    <ds:schemaRef ds:uri="http://schemas.microsoft.com/office/2006/documentManagement/types"/>
-    <ds:schemaRef ds:uri="http://schemas.microsoft.com/office/2006/metadata/properties"/>
-    <ds:schemaRef ds:uri="http://schemas.openxmlformats.org/package/2006/metadata/core-properties"/>
-    <ds:schemaRef ds:uri="http://purl.org/dc/dcmitype/"/>
-    <ds:schemaRef ds:uri="http://purl.org/dc/terms/"/>
+    <ds:schemaRef ds:uri="http://schemas.microsoft.com/sharepoint/v3/contenttype/forms"/>
   </ds:schemaRefs>
 </ds:datastoreItem>
 </file>
--- a/Document/New Features at VS Ultimate 2013.pptx
+++ b/Document/New Features at VS Ultimate 2013.pptx
@@ -14,10 +14,10 @@
     <p:sldMasterId id="2147484321" r:id="rId13"/>
   </p:sldMasterIdLst>
   <p:notesMasterIdLst>
-    <p:notesMasterId r:id="rId20"/>
+    <p:notesMasterId r:id="rId21"/>
   </p:notesMasterIdLst>
   <p:handoutMasterIdLst>
-    <p:handoutMasterId r:id="rId21"/>
+    <p:handoutMasterId r:id="rId22"/>
   </p:handoutMasterIdLst>
   <p:sldIdLst>
     <p:sldId id="256" r:id="rId14"/>
@@ -25,27 +25,28 @@
     <p:sldId id="258" r:id="rId16"/>
     <p:sldId id="259" r:id="rId17"/>
     <p:sldId id="261" r:id="rId18"/>
-    <p:sldId id="260" r:id="rId19"/>
+    <p:sldId id="262" r:id="rId19"/>
+    <p:sldId id="260" r:id="rId20"/>
   </p:sldIdLst>
   <p:sldSz cx="9144000" cy="6858000" type="screen4x3"/>
   <p:notesSz cx="7010400" cy="9296400"/>
   <p:embeddedFontLst>
     <p:embeddedFont>
-      <p:font typeface="museo sans for dell" panose="020B0604020202020204" charset="0"/>
-      <p:regular r:id="rId22"/>
-      <p:bold r:id="rId23"/>
+      <p:font typeface="Museo For Dell 300" panose="02000000000000000000" charset="0"/>
+      <p:regular r:id="rId23"/>
     </p:embeddedFont>
     <p:embeddedFont>
-      <p:font typeface="Museo For Dell 300" panose="02000000000000000000" charset="0"/>
+      <p:font typeface="museo sans for dell" panose="020B0604020202020204" charset="0"/>
       <p:regular r:id="rId24"/>
+      <p:bold r:id="rId25"/>
     </p:embeddedFont>
     <p:embeddedFont>
       <p:font typeface="Arial Black" panose="020B0A04020102020204" pitchFamily="34" charset="0"/>
-      <p:bold r:id="rId25"/>
+      <p:bold r:id="rId26"/>
     </p:embeddedFont>
   </p:embeddedFontLst>
   <p:custDataLst>
-    <p:tags r:id="rId26"/>
+    <p:tags r:id="rId27"/>
   </p:custDataLst>
   <p:defaultTextStyle>
     <a:defPPr>
@@ -174,7 +175,7 @@
   </p:defaultTextStyle>
   <p:extLst>
     <p:ext uri="{EFAFB233-063F-42B5-8137-9DF3F51BA10A}">
-      <p15:sldGuideLst xmlns="" xmlns:p15="http://schemas.microsoft.com/office/powerpoint/2012/main">
+      <p15:sldGuideLst xmlns:p15="http://schemas.microsoft.com/office/powerpoint/2012/main" xmlns="">
         <p15:guide id="1" orient="horz" pos="4111">
           <p15:clr>
             <a:srgbClr val="A4A3A4"/>
@@ -193,7 +194,7 @@
       </p15:sldGuideLst>
     </p:ext>
     <p:ext uri="{2D200454-40CA-4A62-9FC3-DE9A4176ACB9}">
-      <p15:notesGuideLst xmlns="" xmlns:p15="http://schemas.microsoft.com/office/powerpoint/2012/main">
+      <p15:notesGuideLst xmlns:p15="http://schemas.microsoft.com/office/powerpoint/2012/main" xmlns="">
         <p15:guide id="1" orient="horz" pos="2928">
           <p15:clr>
             <a:srgbClr val="A4A3A4"/>
@@ -1459,18 +1460,6 @@
               </a:rPr>
               <a:t>Developing Models for Software Design</a:t>
             </a:r>
-            <a:r>
-              <a:rPr lang="en-US" sz="1200" b="0" i="0" kern="1200" dirty="0" smtClean="0">
-                <a:solidFill>
-                  <a:schemeClr val="tx1"/>
-                </a:solidFill>
-                <a:effectLst/>
-                <a:latin typeface="Museo Sans For Dell" pitchFamily="2" charset="0"/>
-                <a:ea typeface="+mn-ea"/>
-                <a:cs typeface="+mn-cs"/>
-              </a:rPr>
-              <a:t/>
-            </a:r>
             <a:br>
               <a:rPr lang="en-US" sz="1200" b="0" i="0" kern="1200" dirty="0" smtClean="0">
                 <a:solidFill>
@@ -1588,6 +1577,160 @@
                 <a:defRPr/>
               </a:pPr>
               <a:t>5</a:t>
+            </a:fld>
+            <a:endParaRPr lang="en-US" dirty="0"/>
+          </a:p>
+        </p:txBody>
+      </p:sp>
+    </p:spTree>
+    <p:extLst>
+      <p:ext uri="{BB962C8B-B14F-4D97-AF65-F5344CB8AC3E}">
+        <p14:creationId xmlns:p14="http://schemas.microsoft.com/office/powerpoint/2010/main" val="3068645235"/>
+      </p:ext>
+    </p:extLst>
+  </p:cSld>
+  <p:clrMapOvr>
+    <a:masterClrMapping/>
+  </p:clrMapOvr>
+</p:notes>
+</file>
+
+<file path=ppt/notesSlides/notesSlide5.xml><?xml version="1.0" encoding="utf-8"?>
+<p:notes xmlns:a="http://schemas.openxmlformats.org/drawingml/2006/main" xmlns:r="http://schemas.openxmlformats.org/officeDocument/2006/relationships" xmlns:p="http://schemas.openxmlformats.org/presentationml/2006/main">
+  <p:cSld>
+    <p:spTree>
+      <p:nvGrpSpPr>
+        <p:cNvPr id="1" name=""/>
+        <p:cNvGrpSpPr/>
+        <p:nvPr/>
+      </p:nvGrpSpPr>
+      <p:grpSpPr>
+        <a:xfrm>
+          <a:off x="0" y="0"/>
+          <a:ext cx="0" cy="0"/>
+          <a:chOff x="0" y="0"/>
+          <a:chExt cx="0" cy="0"/>
+        </a:xfrm>
+      </p:grpSpPr>
+      <p:sp>
+        <p:nvSpPr>
+          <p:cNvPr id="2" name="Slide Image Placeholder 1"/>
+          <p:cNvSpPr>
+            <a:spLocks noGrp="1" noRot="1" noChangeAspect="1"/>
+          </p:cNvSpPr>
+          <p:nvPr>
+            <p:ph type="sldImg"/>
+          </p:nvPr>
+        </p:nvSpPr>
+        <p:spPr/>
+      </p:sp>
+      <p:sp>
+        <p:nvSpPr>
+          <p:cNvPr id="3" name="Notes Placeholder 2"/>
+          <p:cNvSpPr>
+            <a:spLocks noGrp="1"/>
+          </p:cNvSpPr>
+          <p:nvPr>
+            <p:ph type="body" idx="1"/>
+          </p:nvPr>
+        </p:nvSpPr>
+        <p:spPr/>
+        <p:txBody>
+          <a:bodyPr/>
+          <a:lstStyle/>
+          <a:p>
+            <a:pPr marL="228600" marR="0" indent="-228600" algn="l" defTabSz="914400" rtl="0" eaLnBrk="0" fontAlgn="base" latinLnBrk="0" hangingPunct="0">
+              <a:lnSpc>
+                <a:spcPct val="100000"/>
+              </a:lnSpc>
+              <a:spcBef>
+                <a:spcPct val="30000"/>
+              </a:spcBef>
+              <a:spcAft>
+                <a:spcPct val="0"/>
+              </a:spcAft>
+              <a:buClrTx/>
+              <a:buSzTx/>
+              <a:buFontTx/>
+              <a:buAutoNum type="arabicPeriod"/>
+              <a:tabLst/>
+              <a:defRPr/>
+            </a:pPr>
+            <a:r>
+              <a:rPr lang="en-US" sz="1200" b="0" i="0" kern="1200" dirty="0" smtClean="0">
+                <a:solidFill>
+                  <a:schemeClr val="tx1"/>
+                </a:solidFill>
+                <a:effectLst/>
+                <a:latin typeface="Museo Sans For Dell" pitchFamily="2" charset="0"/>
+                <a:ea typeface="+mn-ea"/>
+                <a:cs typeface="+mn-cs"/>
+              </a:rPr>
+              <a:t>Debug Your App by Recording Code Execution with IntelliTrace</a:t>
+            </a:r>
+            <a:r>
+              <a:rPr lang="en-US" sz="1200" b="0" i="0" kern="1200" dirty="0" smtClean="0">
+                <a:solidFill>
+                  <a:schemeClr val="tx1"/>
+                </a:solidFill>
+                <a:effectLst/>
+                <a:latin typeface="Museo Sans For Dell" pitchFamily="2" charset="0"/>
+                <a:ea typeface="+mn-ea"/>
+                <a:cs typeface="+mn-cs"/>
+              </a:rPr>
+              <a:t/>
+            </a:r>
+            <a:br>
+              <a:rPr lang="en-US" sz="1200" b="0" i="0" kern="1200" dirty="0" smtClean="0">
+                <a:solidFill>
+                  <a:schemeClr val="tx1"/>
+                </a:solidFill>
+                <a:effectLst/>
+                <a:latin typeface="Museo Sans For Dell" pitchFamily="2" charset="0"/>
+                <a:ea typeface="+mn-ea"/>
+                <a:cs typeface="+mn-cs"/>
+              </a:rPr>
+            </a:br>
+            <a:r>
+              <a:rPr lang="en-US" sz="1200" b="0" i="0" kern="1200" dirty="0" smtClean="0">
+                <a:solidFill>
+                  <a:schemeClr val="tx1"/>
+                </a:solidFill>
+                <a:effectLst/>
+                <a:latin typeface="Museo Sans For Dell" pitchFamily="2" charset="0"/>
+                <a:ea typeface="+mn-ea"/>
+                <a:cs typeface="+mn-cs"/>
+              </a:rPr>
+              <a:t>http://msdn.microsoft.com/en-us/library/dd264915.aspx</a:t>
+            </a:r>
+            <a:endParaRPr lang="en-US" dirty="0"/>
+          </a:p>
+        </p:txBody>
+      </p:sp>
+      <p:sp>
+        <p:nvSpPr>
+          <p:cNvPr id="4" name="Slide Number Placeholder 3"/>
+          <p:cNvSpPr>
+            <a:spLocks noGrp="1"/>
+          </p:cNvSpPr>
+          <p:nvPr>
+            <p:ph type="sldNum" sz="quarter" idx="10"/>
+          </p:nvPr>
+        </p:nvSpPr>
+        <p:spPr/>
+        <p:txBody>
+          <a:bodyPr/>
+          <a:lstStyle/>
+          <a:p>
+            <a:pPr>
+              <a:defRPr/>
+            </a:pPr>
+            <a:fld id="{FA04BB6B-BEDE-48E4-970F-8DFC0D4B5AE7}" type="slidenum">
+              <a:rPr lang="en-US" smtClean="0"/>
+              <a:pPr>
+                <a:defRPr/>
+              </a:pPr>
+              <a:t>6</a:t>
             </a:fld>
             <a:endParaRPr lang="en-US" dirty="0"/>
           </a:p>
@@ -19879,7 +20022,7 @@
                   <a:schemeClr val="bg1"/>
                 </a:buClr>
               </a:pPr>
-              <a:t>12/28/2014</a:t>
+              <a:t>12/29/2014</a:t>
             </a:fld>
             <a:endParaRPr lang="en-US" sz="900" dirty="0" smtClean="0">
               <a:solidFill>
@@ -19953,7 +20096,7 @@
                   <a:schemeClr val="bg1"/>
                 </a:buClr>
               </a:pPr>
-              <a:t>12/28/2014</a:t>
+              <a:t>12/29/2014</a:t>
             </a:fld>
             <a:endParaRPr lang="en-US" sz="900" dirty="0" smtClean="0">
               <a:solidFill>
@@ -20823,7 +20966,7 @@
                   <a:schemeClr val="bg1"/>
                 </a:buClr>
               </a:pPr>
-              <a:t>12/28/2014</a:t>
+              <a:t>12/29/2014</a:t>
             </a:fld>
             <a:endParaRPr lang="en-US" sz="900" dirty="0" smtClean="0">
               <a:solidFill>
@@ -20897,7 +21040,7 @@
                   <a:schemeClr val="bg1"/>
                 </a:buClr>
               </a:pPr>
-              <a:t>12/28/2014</a:t>
+              <a:t>12/29/2014</a:t>
             </a:fld>
             <a:endParaRPr lang="en-US" sz="900" dirty="0" smtClean="0">
               <a:solidFill>
@@ -21808,7 +21951,7 @@
                   <a:schemeClr val="bg1"/>
                 </a:buClr>
               </a:pPr>
-              <a:t>12/28/2014</a:t>
+              <a:t>12/29/2014</a:t>
             </a:fld>
             <a:endParaRPr lang="en-US" sz="1000" dirty="0" smtClean="0">
               <a:solidFill>
@@ -22812,7 +22955,7 @@
                   <a:schemeClr val="bg1"/>
                 </a:buClr>
               </a:pPr>
-              <a:t>12/28/2014</a:t>
+              <a:t>12/29/2014</a:t>
             </a:fld>
             <a:endParaRPr lang="en-US" sz="900" dirty="0" smtClean="0">
               <a:solidFill>
@@ -22886,7 +23029,7 @@
                   <a:schemeClr val="bg1"/>
                 </a:buClr>
               </a:pPr>
-              <a:t>12/28/2014</a:t>
+              <a:t>12/29/2014</a:t>
             </a:fld>
             <a:endParaRPr lang="en-US" sz="900" dirty="0" smtClean="0">
               <a:solidFill>
@@ -23655,7 +23798,7 @@
                   <a:schemeClr val="bg1"/>
                 </a:buClr>
               </a:pPr>
-              <a:t>12/28/2014</a:t>
+              <a:t>12/29/2014</a:t>
             </a:fld>
             <a:endParaRPr lang="en-US" sz="900" dirty="0" smtClean="0">
               <a:solidFill>
@@ -23729,7 +23872,7 @@
                   <a:schemeClr val="bg1"/>
                 </a:buClr>
               </a:pPr>
-              <a:t>12/28/2014</a:t>
+              <a:t>12/29/2014</a:t>
             </a:fld>
             <a:endParaRPr lang="en-US" sz="900" dirty="0" smtClean="0">
               <a:solidFill>
@@ -24639,7 +24782,7 @@
                   <a:schemeClr val="bg1"/>
                 </a:buClr>
               </a:pPr>
-              <a:t>12/28/2014</a:t>
+              <a:t>12/29/2014</a:t>
             </a:fld>
             <a:endParaRPr lang="en-US" sz="900" dirty="0" smtClean="0">
               <a:solidFill>
@@ -24713,7 +24856,7 @@
                   <a:schemeClr val="bg1"/>
                 </a:buClr>
               </a:pPr>
-              <a:t>12/28/2014</a:t>
+              <a:t>12/29/2014</a:t>
             </a:fld>
             <a:endParaRPr lang="en-US" sz="900" dirty="0" smtClean="0">
               <a:solidFill>
@@ -25623,7 +25766,7 @@
                   <a:schemeClr val="bg1"/>
                 </a:buClr>
               </a:pPr>
-              <a:t>12/28/2014</a:t>
+              <a:t>12/29/2014</a:t>
             </a:fld>
             <a:endParaRPr lang="en-US" sz="900" dirty="0" smtClean="0">
               <a:solidFill>
@@ -25697,7 +25840,7 @@
                   <a:schemeClr val="bg1"/>
                 </a:buClr>
               </a:pPr>
-              <a:t>12/28/2014</a:t>
+              <a:t>12/29/2014</a:t>
             </a:fld>
             <a:endParaRPr lang="en-US" sz="900" dirty="0" smtClean="0">
               <a:solidFill>
@@ -26607,7 +26750,7 @@
                   <a:schemeClr val="bg1"/>
                 </a:buClr>
               </a:pPr>
-              <a:t>12/28/2014</a:t>
+              <a:t>12/29/2014</a:t>
             </a:fld>
             <a:endParaRPr lang="en-US" sz="900" dirty="0" smtClean="0">
               <a:solidFill>
@@ -26681,7 +26824,7 @@
                   <a:schemeClr val="bg1"/>
                 </a:buClr>
               </a:pPr>
-              <a:t>12/28/2014</a:t>
+              <a:t>12/29/2014</a:t>
             </a:fld>
             <a:endParaRPr lang="en-US" sz="900" dirty="0" smtClean="0">
               <a:solidFill>
@@ -27590,7 +27733,7 @@
                   <a:schemeClr val="bg1"/>
                 </a:buClr>
               </a:pPr>
-              <a:t>12/28/2014</a:t>
+              <a:t>12/29/2014</a:t>
             </a:fld>
             <a:endParaRPr lang="en-US" sz="900" dirty="0" smtClean="0">
               <a:solidFill>
@@ -27664,7 +27807,7 @@
                   <a:schemeClr val="bg1"/>
                 </a:buClr>
               </a:pPr>
-              <a:t>12/28/2014</a:t>
+              <a:t>12/29/2014</a:t>
             </a:fld>
             <a:endParaRPr lang="en-US" sz="900" dirty="0" smtClean="0">
               <a:solidFill>
@@ -28573,7 +28716,7 @@
                   <a:schemeClr val="bg1"/>
                 </a:buClr>
               </a:pPr>
-              <a:t>12/28/2014</a:t>
+              <a:t>12/29/2014</a:t>
             </a:fld>
             <a:endParaRPr lang="en-US" sz="900" dirty="0" smtClean="0">
               <a:solidFill>
@@ -28647,7 +28790,7 @@
                   <a:schemeClr val="bg1"/>
                 </a:buClr>
               </a:pPr>
-              <a:t>12/28/2014</a:t>
+              <a:t>12/29/2014</a:t>
             </a:fld>
             <a:endParaRPr lang="en-US" sz="900" dirty="0" smtClean="0">
               <a:solidFill>
@@ -29580,23 +29723,7 @@
             </a:pPr>
             <a:r>
               <a:rPr lang="en-US" altLang="zh-CN" dirty="0"/>
-              <a:t>Use </a:t>
-            </a:r>
-            <a:r>
-              <a:rPr lang="en-US" altLang="zh-CN" dirty="0" err="1"/>
-              <a:t>IntelliTrace</a:t>
-            </a:r>
-            <a:r>
-              <a:rPr lang="en-US" altLang="zh-CN" dirty="0"/>
-              <a:t> for historical debugging, even in production (</a:t>
-            </a:r>
-            <a:r>
-              <a:rPr lang="en-US" altLang="zh-CN" dirty="0" err="1"/>
-              <a:t>IntelliTrace</a:t>
-            </a:r>
-            <a:r>
-              <a:rPr lang="en-US" altLang="zh-CN" dirty="0"/>
-              <a:t>)</a:t>
+              <a:t>Use IntelliTrace for historical debugging, even in production (IntelliTrace)</a:t>
             </a:r>
           </a:p>
           <a:p>
@@ -30250,14 +30377,12 @@
               <a:rPr lang="en-US" dirty="0" smtClean="0"/>
               <a:t>Class Diagram</a:t>
             </a:r>
-            <a:endParaRPr lang="en-US" dirty="0" smtClean="0"/>
           </a:p>
           <a:p>
             <a:r>
               <a:rPr lang="en-US" dirty="0" smtClean="0"/>
               <a:t>Sequence Diagram</a:t>
             </a:r>
-            <a:endParaRPr lang="en-US" dirty="0" smtClean="0"/>
           </a:p>
           <a:p>
             <a:r>
@@ -30309,7 +30434,6 @@
               <a:rPr lang="en-US" dirty="0" smtClean="0"/>
               <a:t>Directed Graph Document</a:t>
             </a:r>
-            <a:endParaRPr lang="en-US" dirty="0" smtClean="0"/>
           </a:p>
           <a:p>
             <a:endParaRPr lang="en-US" dirty="0"/>
@@ -30358,6 +30482,177 @@
       </p:grpSpPr>
       <p:sp>
         <p:nvSpPr>
+          <p:cNvPr id="5" name="Text Placeholder 4"/>
+          <p:cNvSpPr>
+            <a:spLocks noGrp="1"/>
+          </p:cNvSpPr>
+          <p:nvPr>
+            <p:ph type="body" sz="quarter" idx="10"/>
+          </p:nvPr>
+        </p:nvSpPr>
+        <p:spPr>
+          <a:xfrm>
+            <a:off x="364631" y="984738"/>
+            <a:ext cx="7955280" cy="796758"/>
+          </a:xfrm>
+        </p:spPr>
+        <p:txBody>
+          <a:bodyPr>
+            <a:normAutofit/>
+          </a:bodyPr>
+          <a:lstStyle/>
+          <a:p>
+            <a:r>
+              <a:rPr lang="en-US" altLang="zh-CN" dirty="0"/>
+              <a:t>Spend less time debugging your app in Visual Studio Ultimate when you use IntelliTrace to record and trace your code's execution history. You can find bugs more easily without setting lots of breakpoints because </a:t>
+            </a:r>
+            <a:r>
+              <a:rPr lang="en-US" altLang="zh-CN" dirty="0" err="1"/>
+              <a:t>IntelliTrace</a:t>
+            </a:r>
+            <a:r>
+              <a:rPr lang="en-US" altLang="zh-CN" dirty="0"/>
+              <a:t> lets you:</a:t>
+            </a:r>
+            <a:endParaRPr lang="en-US" dirty="0"/>
+          </a:p>
+        </p:txBody>
+      </p:sp>
+      <p:sp>
+        <p:nvSpPr>
+          <p:cNvPr id="2" name="Title 1"/>
+          <p:cNvSpPr>
+            <a:spLocks noGrp="1"/>
+          </p:cNvSpPr>
+          <p:nvPr>
+            <p:ph type="title"/>
+          </p:nvPr>
+        </p:nvSpPr>
+        <p:spPr/>
+        <p:txBody>
+          <a:bodyPr/>
+          <a:lstStyle/>
+          <a:p>
+            <a:r>
+              <a:rPr lang="en-US" dirty="0" smtClean="0"/>
+              <a:t>IntelliTrace</a:t>
+            </a:r>
+            <a:endParaRPr lang="en-US" dirty="0"/>
+          </a:p>
+        </p:txBody>
+      </p:sp>
+      <p:sp>
+        <p:nvSpPr>
+          <p:cNvPr id="4" name="Content Placeholder 3"/>
+          <p:cNvSpPr>
+            <a:spLocks noGrp="1"/>
+          </p:cNvSpPr>
+          <p:nvPr>
+            <p:ph sz="half" idx="1"/>
+          </p:nvPr>
+        </p:nvSpPr>
+        <p:spPr>
+          <a:xfrm>
+            <a:off x="356403" y="1706252"/>
+            <a:ext cx="7955280" cy="4389748"/>
+          </a:xfrm>
+        </p:spPr>
+        <p:txBody>
+          <a:bodyPr/>
+          <a:lstStyle/>
+          <a:p>
+            <a:r>
+              <a:rPr lang="en-US" altLang="zh-CN" dirty="0"/>
+              <a:t>Record specific events that happened in your app</a:t>
+            </a:r>
+            <a:r>
+              <a:rPr lang="en-US" altLang="zh-CN" dirty="0" smtClean="0"/>
+              <a:t>.</a:t>
+            </a:r>
+            <a:br>
+              <a:rPr lang="en-US" altLang="zh-CN" dirty="0" smtClean="0"/>
+            </a:br>
+            <a:r>
+              <a:rPr lang="en-US" altLang="zh-CN" dirty="0"/>
+              <a:t>You can examine related code, data that appears in the </a:t>
+            </a:r>
+            <a:r>
+              <a:rPr lang="en-US" altLang="zh-CN" b="1" dirty="0"/>
+              <a:t>Locals</a:t>
+            </a:r>
+            <a:r>
+              <a:rPr lang="en-US" altLang="zh-CN" dirty="0"/>
+              <a:t> window during debugger events, and function call information, if you choose to collect it</a:t>
+            </a:r>
+            <a:r>
+              <a:rPr lang="en-US" altLang="zh-CN" dirty="0" smtClean="0"/>
+              <a:t>.</a:t>
+            </a:r>
+          </a:p>
+          <a:p>
+            <a:r>
+              <a:rPr lang="en-US" altLang="zh-CN" dirty="0"/>
+              <a:t>Reduce restarting </a:t>
+            </a:r>
+            <a:r>
+              <a:rPr lang="en-US" altLang="zh-CN" dirty="0" smtClean="0"/>
+              <a:t>your app to recreate bugs or events.</a:t>
+            </a:r>
+          </a:p>
+          <a:p>
+            <a:r>
+              <a:rPr lang="en-US" altLang="zh-CN" dirty="0"/>
+              <a:t>Debug errors that are hard to reproduce or that happen in deployment.</a:t>
+            </a:r>
+            <a:endParaRPr lang="zh-CN" altLang="en-US" dirty="0"/>
+          </a:p>
+          <a:p>
+            <a:endParaRPr lang="en-US" dirty="0"/>
+          </a:p>
+        </p:txBody>
+      </p:sp>
+    </p:spTree>
+    <p:extLst>
+      <p:ext uri="{BB962C8B-B14F-4D97-AF65-F5344CB8AC3E}">
+        <p14:creationId xmlns:p14="http://schemas.microsoft.com/office/powerpoint/2010/main" val="2640650041"/>
+      </p:ext>
+    </p:extLst>
+  </p:cSld>
+  <p:clrMapOvr>
+    <a:masterClrMapping/>
+  </p:clrMapOvr>
+  <p:transition spd="med">
+    <p:wipe dir="r"/>
+  </p:transition>
+  <p:timing>
+    <p:tnLst>
+      <p:par>
+        <p:cTn id="1" dur="indefinite" restart="never" nodeType="tmRoot"/>
+      </p:par>
+    </p:tnLst>
+  </p:timing>
+</p:sld>
+</file>
+
+<file path=ppt/slides/slide7.xml><?xml version="1.0" encoding="utf-8"?>
+<p:sld xmlns:a="http://schemas.openxmlformats.org/drawingml/2006/main" xmlns:r="http://schemas.openxmlformats.org/officeDocument/2006/relationships" xmlns:p="http://schemas.openxmlformats.org/presentationml/2006/main">
+  <p:cSld>
+    <p:spTree>
+      <p:nvGrpSpPr>
+        <p:cNvPr id="1" name=""/>
+        <p:cNvGrpSpPr/>
+        <p:nvPr/>
+      </p:nvGrpSpPr>
+      <p:grpSpPr>
+        <a:xfrm>
+          <a:off x="0" y="0"/>
+          <a:ext cx="0" cy="0"/>
+          <a:chOff x="0" y="0"/>
+          <a:chExt cx="0" cy="0"/>
+        </a:xfrm>
+      </p:grpSpPr>
+      <p:sp>
+        <p:nvSpPr>
           <p:cNvPr id="5" name="Title 4"/>
           <p:cNvSpPr>
             <a:spLocks noGrp="1"/>
@@ -30404,18 +30699,18 @@
               <a:buAutoNum type="arabicPeriod"/>
             </a:pPr>
             <a:r>
-              <a:rPr lang="en-US" altLang="zh-CN" dirty="0">
-                <a:hlinkClick r:id="rId2"/>
-              </a:rPr>
-              <a:t>Examine return values of </a:t>
-            </a:r>
-            <a:r>
               <a:rPr lang="en-US" altLang="zh-CN" dirty="0" smtClean="0">
                 <a:hlinkClick r:id="rId2"/>
               </a:rPr>
-              <a:t>method calls</a:t>
-            </a:r>
-            <a:endParaRPr lang="en-US" altLang="zh-CN" dirty="0"/>
+              <a:t>Auto </a:t>
+            </a:r>
+            <a:r>
+              <a:rPr lang="en-US" altLang="zh-CN" dirty="0" smtClean="0">
+                <a:hlinkClick r:id="rId2"/>
+              </a:rPr>
+              <a:t>Run Test</a:t>
+            </a:r>
+            <a:endParaRPr lang="en-US" altLang="zh-CN" dirty="0" smtClean="0"/>
           </a:p>
           <a:p>
             <a:pPr marL="342900" indent="-342900">
@@ -30426,7 +30721,89 @@
               <a:rPr lang="en-US" altLang="zh-CN" dirty="0" smtClean="0">
                 <a:hlinkClick r:id="rId3"/>
               </a:rPr>
-              <a:t>Auto Run Test</a:t>
+              <a:t>Editor Feature</a:t>
+            </a:r>
+            <a:endParaRPr lang="en-US" altLang="zh-CN" dirty="0" smtClean="0"/>
+          </a:p>
+          <a:p>
+            <a:pPr marL="687388" lvl="1" indent="-342900">
+              <a:buFont typeface="+mj-lt"/>
+              <a:buAutoNum type="arabicPeriod"/>
+            </a:pPr>
+            <a:r>
+              <a:rPr lang="en-US" altLang="zh-CN" dirty="0" smtClean="0"/>
+              <a:t>Color of the left </a:t>
+            </a:r>
+            <a:r>
+              <a:rPr lang="en-US" altLang="zh-CN" dirty="0" smtClean="0"/>
+              <a:t>margin, Color of the right margin</a:t>
+            </a:r>
+            <a:endParaRPr lang="en-US" altLang="zh-CN" dirty="0" smtClean="0"/>
+          </a:p>
+          <a:p>
+            <a:pPr marL="687388" lvl="1" indent="-342900">
+              <a:buFont typeface="+mj-lt"/>
+              <a:buAutoNum type="arabicPeriod"/>
+            </a:pPr>
+            <a:r>
+              <a:rPr lang="en-US" altLang="zh-CN" dirty="0"/>
+              <a:t>Navigate </a:t>
+            </a:r>
+            <a:r>
+              <a:rPr lang="en-US" altLang="zh-CN" dirty="0" smtClean="0"/>
+              <a:t>To (Ctrl + ,), </a:t>
+            </a:r>
+            <a:r>
+              <a:rPr lang="en-US" altLang="zh-CN" dirty="0"/>
+              <a:t>Finds a symbol or file in the active </a:t>
+            </a:r>
+            <a:r>
+              <a:rPr lang="en-US" altLang="zh-CN" dirty="0" smtClean="0"/>
+              <a:t>solution</a:t>
+            </a:r>
+          </a:p>
+          <a:p>
+            <a:pPr marL="687388" lvl="1" indent="-342900">
+              <a:buFont typeface="+mj-lt"/>
+              <a:buAutoNum type="arabicPeriod"/>
+            </a:pPr>
+            <a:r>
+              <a:rPr lang="en-US" altLang="zh-CN" dirty="0"/>
+              <a:t>Using Regular Expressions in Find or Replace </a:t>
+            </a:r>
+            <a:r>
+              <a:rPr lang="en-US" altLang="zh-CN" dirty="0" smtClean="0"/>
+              <a:t>Text</a:t>
+            </a:r>
+          </a:p>
+          <a:p>
+            <a:pPr marL="687388" lvl="1" indent="-342900">
+              <a:buFont typeface="+mj-lt"/>
+              <a:buAutoNum type="arabicPeriod"/>
+            </a:pPr>
+            <a:r>
+              <a:rPr lang="en-US" altLang="zh-CN" dirty="0" smtClean="0"/>
+              <a:t>Peek Definition / Peek Help</a:t>
+            </a:r>
+          </a:p>
+          <a:p>
+            <a:pPr marL="687388" lvl="1" indent="-342900">
+              <a:buFont typeface="+mj-lt"/>
+              <a:buAutoNum type="arabicPeriod"/>
+            </a:pPr>
+            <a:r>
+              <a:rPr lang="en-US" altLang="zh-CN" dirty="0" smtClean="0"/>
+              <a:t>Task List</a:t>
+            </a:r>
+          </a:p>
+          <a:p>
+            <a:pPr marL="687388" lvl="1" indent="-342900">
+              <a:buFont typeface="+mj-lt"/>
+              <a:buAutoNum type="arabicPeriod"/>
+            </a:pPr>
+            <a:r>
+              <a:rPr lang="en-US" altLang="zh-CN" dirty="0" smtClean="0"/>
+              <a:t>Scroll bar source overview</a:t>
             </a:r>
             <a:endParaRPr lang="en-US" altLang="zh-CN" dirty="0" smtClean="0"/>
           </a:p>
@@ -30436,55 +30813,12 @@
               <a:buAutoNum type="arabicPeriod"/>
             </a:pPr>
             <a:r>
-              <a:rPr lang="en-US" altLang="zh-CN" dirty="0" smtClean="0">
+              <a:rPr lang="en-US" altLang="zh-CN" dirty="0">
                 <a:hlinkClick r:id="rId4"/>
               </a:rPr>
-              <a:t>Editor Feature</a:t>
-            </a:r>
-            <a:endParaRPr lang="en-US" altLang="zh-CN" dirty="0" smtClean="0"/>
-          </a:p>
-          <a:p>
-            <a:pPr marL="687388" lvl="1" indent="-342900">
-              <a:buFont typeface="+mj-lt"/>
-              <a:buAutoNum type="arabicPeriod"/>
-            </a:pPr>
-            <a:r>
-              <a:rPr lang="en-US" altLang="zh-CN" dirty="0" smtClean="0"/>
-              <a:t>Color of the left margin</a:t>
-            </a:r>
-          </a:p>
-          <a:p>
-            <a:pPr marL="687388" lvl="1" indent="-342900">
-              <a:buFont typeface="+mj-lt"/>
-              <a:buAutoNum type="arabicPeriod"/>
-            </a:pPr>
-            <a:r>
-              <a:rPr lang="en-US" altLang="zh-CN" dirty="0"/>
-              <a:t>Navigate </a:t>
-            </a:r>
-            <a:r>
-              <a:rPr lang="en-US" altLang="zh-CN" dirty="0" smtClean="0"/>
-              <a:t>To (Ctrl + ,), </a:t>
-            </a:r>
-            <a:r>
-              <a:rPr lang="en-US" altLang="zh-CN" dirty="0"/>
-              <a:t>Finds a symbol or file in the active </a:t>
-            </a:r>
-            <a:r>
-              <a:rPr lang="en-US" altLang="zh-CN" dirty="0" smtClean="0"/>
-              <a:t>solution</a:t>
-            </a:r>
-          </a:p>
-          <a:p>
-            <a:pPr marL="687388" lvl="1" indent="-342900">
-              <a:buFont typeface="+mj-lt"/>
-              <a:buAutoNum type="arabicPeriod"/>
-            </a:pPr>
-            <a:r>
-              <a:rPr lang="en-US" altLang="zh-CN" dirty="0"/>
-              <a:t>Using Regular Expressions in Find or Replace Text</a:t>
-            </a:r>
-            <a:endParaRPr lang="en-US" altLang="zh-CN" dirty="0" smtClean="0"/>
+              <a:t>Examine return values of method calls</a:t>
+            </a:r>
+            <a:endParaRPr lang="en-US" altLang="zh-CN" dirty="0"/>
           </a:p>
           <a:p>
             <a:pPr marL="342900" indent="-342900">
@@ -30495,6 +30829,7 @@
               <a:rPr lang="en-US" altLang="zh-CN" dirty="0" smtClean="0"/>
               <a:t>xx</a:t>
             </a:r>
+            <a:endParaRPr lang="en-US" altLang="zh-CN" dirty="0" smtClean="0"/>
           </a:p>
           <a:p>
             <a:pPr marL="342900" indent="-342900">
@@ -30530,6 +30865,60 @@
           <a:xfrm>
             <a:off x="4889622" y="2060331"/>
             <a:ext cx="2600325" cy="1009650"/>
+          </a:xfrm>
+          <a:prstGeom prst="rect">
+            <a:avLst/>
+          </a:prstGeom>
+          <a:noFill/>
+          <a:ln>
+            <a:noFill/>
+          </a:ln>
+          <a:extLst>
+            <a:ext uri="{909E8E84-426E-40DD-AFC4-6F175D3DCCD1}">
+              <a14:hiddenFill xmlns:a14="http://schemas.microsoft.com/office/drawing/2010/main">
+                <a:solidFill>
+                  <a:schemeClr val="accent1"/>
+                </a:solidFill>
+              </a14:hiddenFill>
+            </a:ext>
+            <a:ext uri="{91240B29-F687-4F45-9708-019B960494DF}">
+              <a14:hiddenLine xmlns:a14="http://schemas.microsoft.com/office/drawing/2010/main" w="9525">
+                <a:solidFill>
+                  <a:schemeClr val="tx1"/>
+                </a:solidFill>
+                <a:miter lim="800000"/>
+                <a:headEnd/>
+                <a:tailEnd/>
+              </a14:hiddenLine>
+            </a:ext>
+          </a:extLst>
+        </p:spPr>
+      </p:pic>
+      <p:pic>
+        <p:nvPicPr>
+          <p:cNvPr id="1028" name="Picture 4"/>
+          <p:cNvPicPr>
+            <a:picLocks noChangeAspect="1" noChangeArrowheads="1"/>
+          </p:cNvPicPr>
+          <p:nvPr/>
+        </p:nvPicPr>
+        <p:blipFill>
+          <a:blip r:embed="rId6">
+            <a:extLst>
+              <a:ext uri="{28A0092B-C50C-407E-A947-70E740481C1C}">
+                <a14:useLocalDpi xmlns:a14="http://schemas.microsoft.com/office/drawing/2010/main" val="0"/>
+              </a:ext>
+            </a:extLst>
+          </a:blip>
+          <a:srcRect/>
+          <a:stretch>
+            <a:fillRect/>
+          </a:stretch>
+        </p:blipFill>
+        <p:spPr bwMode="auto">
+          <a:xfrm>
+            <a:off x="4889622" y="3176370"/>
+            <a:ext cx="3875209" cy="2191046"/>
           </a:xfrm>
           <a:prstGeom prst="rect">
             <a:avLst/>
@@ -30915,7 +31304,7 @@
   </a:extraClrSchemeLst>
   <a:extLst>
     <a:ext uri="{05A4C25C-085E-4340-85A3-A5531E510DB2}">
-      <thm15:themeFamily xmlns="" xmlns:thm15="http://schemas.microsoft.com/office/thememl/2012/main" name="Presentation12" id="{DAFB7478-47B3-40DE-90C0-3857378F45FF}" vid="{6E384890-8F9F-4A11-9330-31F5F14C349B}"/>
+      <thm15:themeFamily xmlns:thm15="http://schemas.microsoft.com/office/thememl/2012/main" xmlns="" name="Presentation12" id="{DAFB7478-47B3-40DE-90C0-3857378F45FF}" vid="{6E384890-8F9F-4A11-9330-31F5F14C349B}"/>
     </a:ext>
   </a:extLst>
 </a:theme>
@@ -31248,7 +31637,7 @@
   </a:extraClrSchemeLst>
   <a:extLst>
     <a:ext uri="{05A4C25C-085E-4340-85A3-A5531E510DB2}">
-      <thm15:themeFamily xmlns="" xmlns:thm15="http://schemas.microsoft.com/office/thememl/2012/main" name="Presentation12" id="{DAFB7478-47B3-40DE-90C0-3857378F45FF}" vid="{C8BAF95F-293E-49F1-9C5A-6A7DFEFCDE30}"/>
+      <thm15:themeFamily xmlns:thm15="http://schemas.microsoft.com/office/thememl/2012/main" xmlns="" name="Presentation12" id="{DAFB7478-47B3-40DE-90C0-3857378F45FF}" vid="{C8BAF95F-293E-49F1-9C5A-6A7DFEFCDE30}"/>
     </a:ext>
   </a:extLst>
 </a:theme>
@@ -32146,7 +32535,7 @@
   </a:extraClrSchemeLst>
   <a:extLst>
     <a:ext uri="{05A4C25C-085E-4340-85A3-A5531E510DB2}">
-      <thm15:themeFamily xmlns="" xmlns:thm15="http://schemas.microsoft.com/office/thememl/2012/main" name="Presentation12" id="{DAFB7478-47B3-40DE-90C0-3857378F45FF}" vid="{21BA7CA8-7620-4C1E-95A4-65CD1B58CD3B}"/>
+      <thm15:themeFamily xmlns:thm15="http://schemas.microsoft.com/office/thememl/2012/main" xmlns="" name="Presentation12" id="{DAFB7478-47B3-40DE-90C0-3857378F45FF}" vid="{21BA7CA8-7620-4C1E-95A4-65CD1B58CD3B}"/>
     </a:ext>
   </a:extLst>
 </a:theme>
@@ -32479,7 +32868,7 @@
   </a:extraClrSchemeLst>
   <a:extLst>
     <a:ext uri="{05A4C25C-085E-4340-85A3-A5531E510DB2}">
-      <thm15:themeFamily xmlns="" xmlns:thm15="http://schemas.microsoft.com/office/thememl/2012/main" name="Presentation12" id="{DAFB7478-47B3-40DE-90C0-3857378F45FF}" vid="{62936EF5-9C78-4A9F-B13F-C44543044758}"/>
+      <thm15:themeFamily xmlns:thm15="http://schemas.microsoft.com/office/thememl/2012/main" xmlns="" name="Presentation12" id="{DAFB7478-47B3-40DE-90C0-3857378F45FF}" vid="{62936EF5-9C78-4A9F-B13F-C44543044758}"/>
     </a:ext>
   </a:extLst>
 </a:theme>
@@ -32812,7 +33201,7 @@
   </a:extraClrSchemeLst>
   <a:extLst>
     <a:ext uri="{05A4C25C-085E-4340-85A3-A5531E510DB2}">
-      <thm15:themeFamily xmlns="" xmlns:thm15="http://schemas.microsoft.com/office/thememl/2012/main" name="Presentation12" id="{DAFB7478-47B3-40DE-90C0-3857378F45FF}" vid="{AF3762C5-E896-4764-88B9-1C96F93B9BCD}"/>
+      <thm15:themeFamily xmlns:thm15="http://schemas.microsoft.com/office/thememl/2012/main" xmlns="" name="Presentation12" id="{DAFB7478-47B3-40DE-90C0-3857378F45FF}" vid="{AF3762C5-E896-4764-88B9-1C96F93B9BCD}"/>
     </a:ext>
   </a:extLst>
 </a:theme>
@@ -33145,7 +33534,7 @@
   </a:extraClrSchemeLst>
   <a:extLst>
     <a:ext uri="{05A4C25C-085E-4340-85A3-A5531E510DB2}">
-      <thm15:themeFamily xmlns="" xmlns:thm15="http://schemas.microsoft.com/office/thememl/2012/main" name="Presentation12" id="{DAFB7478-47B3-40DE-90C0-3857378F45FF}" vid="{113EF733-E79B-44B7-BFB7-3203CC8C70D7}"/>
+      <thm15:themeFamily xmlns:thm15="http://schemas.microsoft.com/office/thememl/2012/main" xmlns="" name="Presentation12" id="{DAFB7478-47B3-40DE-90C0-3857378F45FF}" vid="{113EF733-E79B-44B7-BFB7-3203CC8C70D7}"/>
     </a:ext>
   </a:extLst>
 </a:theme>
@@ -33478,7 +33867,7 @@
   </a:extraClrSchemeLst>
   <a:extLst>
     <a:ext uri="{05A4C25C-085E-4340-85A3-A5531E510DB2}">
-      <thm15:themeFamily xmlns="" xmlns:thm15="http://schemas.microsoft.com/office/thememl/2012/main" name="Presentation12" id="{DAFB7478-47B3-40DE-90C0-3857378F45FF}" vid="{5C4A94E3-FA97-42A4-BA2D-437C73A6F7E5}"/>
+      <thm15:themeFamily xmlns:thm15="http://schemas.microsoft.com/office/thememl/2012/main" xmlns="" name="Presentation12" id="{DAFB7478-47B3-40DE-90C0-3857378F45FF}" vid="{5C4A94E3-FA97-42A4-BA2D-437C73A6F7E5}"/>
     </a:ext>
   </a:extLst>
 </a:theme>
@@ -33811,7 +34200,7 @@
   </a:extraClrSchemeLst>
   <a:extLst>
     <a:ext uri="{05A4C25C-085E-4340-85A3-A5531E510DB2}">
-      <thm15:themeFamily xmlns="" xmlns:thm15="http://schemas.microsoft.com/office/thememl/2012/main" name="Presentation12" id="{DAFB7478-47B3-40DE-90C0-3857378F45FF}" vid="{61C20380-6C7B-4A01-A2EA-DEBD17F86DFB}"/>
+      <thm15:themeFamily xmlns:thm15="http://schemas.microsoft.com/office/thememl/2012/main" xmlns="" name="Presentation12" id="{DAFB7478-47B3-40DE-90C0-3857378F45FF}" vid="{61C20380-6C7B-4A01-A2EA-DEBD17F86DFB}"/>
     </a:ext>
   </a:extLst>
 </a:theme>
@@ -34144,7 +34533,7 @@
   </a:extraClrSchemeLst>
   <a:extLst>
     <a:ext uri="{05A4C25C-085E-4340-85A3-A5531E510DB2}">
-      <thm15:themeFamily xmlns="" xmlns:thm15="http://schemas.microsoft.com/office/thememl/2012/main" name="Presentation12" id="{DAFB7478-47B3-40DE-90C0-3857378F45FF}" vid="{C05AC854-A408-4B81-86C9-67883E0C9BF8}"/>
+      <thm15:themeFamily xmlns:thm15="http://schemas.microsoft.com/office/thememl/2012/main" xmlns="" name="Presentation12" id="{DAFB7478-47B3-40DE-90C0-3857378F45FF}" vid="{C05AC854-A408-4B81-86C9-67883E0C9BF8}"/>
     </a:ext>
   </a:extLst>
 </a:theme>
@@ -34477,16 +34866,19 @@
   </a:extraClrSchemeLst>
   <a:extLst>
     <a:ext uri="{05A4C25C-085E-4340-85A3-A5531E510DB2}">
-      <thm15:themeFamily xmlns="" xmlns:thm15="http://schemas.microsoft.com/office/thememl/2012/main" name="Presentation12" id="{DAFB7478-47B3-40DE-90C0-3857378F45FF}" vid="{532E81F1-70E5-4D00-AE0F-456D020155FE}"/>
+      <thm15:themeFamily xmlns:thm15="http://schemas.microsoft.com/office/thememl/2012/main" xmlns="" name="Presentation12" id="{DAFB7478-47B3-40DE-90C0-3857378F45FF}" vid="{532E81F1-70E5-4D00-AE0F-456D020155FE}"/>
     </a:ext>
   </a:extLst>
 </a:theme>
 </file>
 
 <file path=customXml/item1.xml><?xml version="1.0" encoding="utf-8"?>
-<p:properties xmlns:p="http://schemas.microsoft.com/office/2006/metadata/properties" xmlns:xsi="http://www.w3.org/2001/XMLSchema-instance">
-  <documentManagement/>
-</p:properties>
+<?mso-contentType ?>
+<FormTemplates xmlns="http://schemas.microsoft.com/sharepoint/v3/contenttype/forms">
+  <Display>DocumentLibraryForm</Display>
+  <Edit>DocumentLibraryForm</Edit>
+  <New>DocumentLibraryForm</New>
+</FormTemplates>
 </file>
 
 <file path=customXml/item2.xml><?xml version="1.0" encoding="utf-8"?>
@@ -34539,24 +34931,15 @@
 </file>
 
 <file path=customXml/item3.xml><?xml version="1.0" encoding="utf-8"?>
-<?mso-contentType ?>
-<FormTemplates xmlns="http://schemas.microsoft.com/sharepoint/v3/contenttype/forms">
-  <Display>DocumentLibraryForm</Display>
-  <Edit>DocumentLibraryForm</Edit>
-  <New>DocumentLibraryForm</New>
-</FormTemplates>
+<p:properties xmlns:p="http://schemas.microsoft.com/office/2006/metadata/properties" xmlns:xsi="http://www.w3.org/2001/XMLSchema-instance">
+  <documentManagement/>
+</p:properties>
 </file>
 
 <file path=customXml/itemProps1.xml><?xml version="1.0" encoding="utf-8"?>
-<ds:datastoreItem xmlns:ds="http://schemas.openxmlformats.org/officeDocument/2006/customXml" ds:itemID="{0873BDD3-AA35-4F19-A12A-C6462BECFBD1}">
+<ds:datastoreItem xmlns:ds="http://schemas.openxmlformats.org/officeDocument/2006/customXml" ds:itemID="{86FC490B-1F77-48C5-AC70-1DD939DBDF04}">
   <ds:schemaRefs>
-    <ds:schemaRef ds:uri="http://www.w3.org/XML/1998/namespace"/>
-    <ds:schemaRef ds:uri="http://purl.org/dc/elements/1.1/"/>
-    <ds:schemaRef ds:uri="http://schemas.microsoft.com/office/2006/documentManagement/types"/>
-    <ds:schemaRef ds:uri="http://schemas.microsoft.com/office/2006/metadata/properties"/>
-    <ds:schemaRef ds:uri="http://schemas.openxmlformats.org/package/2006/metadata/core-properties"/>
-    <ds:schemaRef ds:uri="http://purl.org/dc/dcmitype/"/>
-    <ds:schemaRef ds:uri="http://purl.org/dc/terms/"/>
+    <ds:schemaRef ds:uri="http://schemas.microsoft.com/sharepoint/v3/contenttype/forms"/>
   </ds:schemaRefs>
 </ds:datastoreItem>
 </file>
@@ -34577,9 +34960,15 @@
 </file>
 
 <file path=customXml/itemProps3.xml><?xml version="1.0" encoding="utf-8"?>
-<ds:datastoreItem xmlns:ds="http://schemas.openxmlformats.org/officeDocument/2006/customXml" ds:itemID="{86FC490B-1F77-48C5-AC70-1DD939DBDF04}">
+<ds:datastoreItem xmlns:ds="http://schemas.openxmlformats.org/officeDocument/2006/customXml" ds:itemID="{0873BDD3-AA35-4F19-A12A-C6462BECFBD1}">
   <ds:schemaRefs>
-    <ds:schemaRef ds:uri="http://schemas.microsoft.com/sharepoint/v3/contenttype/forms"/>
+    <ds:schemaRef ds:uri="http://www.w3.org/XML/1998/namespace"/>
+    <ds:schemaRef ds:uri="http://purl.org/dc/elements/1.1/"/>
+    <ds:schemaRef ds:uri="http://schemas.microsoft.com/office/2006/documentManagement/types"/>
+    <ds:schemaRef ds:uri="http://schemas.microsoft.com/office/2006/metadata/properties"/>
+    <ds:schemaRef ds:uri="http://schemas.openxmlformats.org/package/2006/metadata/core-properties"/>
+    <ds:schemaRef ds:uri="http://purl.org/dc/dcmitype/"/>
+    <ds:schemaRef ds:uri="http://purl.org/dc/terms/"/>
   </ds:schemaRefs>
 </ds:datastoreItem>
 </file>
--- a/Document/New Features at VS Ultimate 2013.pptx
+++ b/Document/New Features at VS Ultimate 2013.pptx
@@ -30374,15 +30374,27 @@
           <a:lstStyle/>
           <a:p>
             <a:r>
-              <a:rPr lang="en-US" dirty="0" smtClean="0"/>
+              <a:rPr lang="en-US" b="1" dirty="0" smtClean="0"/>
               <a:t>Class Diagram</a:t>
             </a:r>
           </a:p>
           <a:p>
             <a:r>
               <a:rPr lang="en-US" dirty="0" smtClean="0"/>
-              <a:t>Sequence Diagram</a:t>
-            </a:r>
+              <a:t>Sequence </a:t>
+            </a:r>
+            <a:r>
+              <a:rPr lang="en-US" dirty="0" smtClean="0"/>
+              <a:t>Diagram</a:t>
+            </a:r>
+          </a:p>
+          <a:p>
+            <a:pPr lvl="1"/>
+            <a:r>
+              <a:rPr lang="en-US" dirty="0" smtClean="0"/>
+              <a:t>Generate Sequence Diagram from source code</a:t>
+            </a:r>
+            <a:endParaRPr lang="en-US" dirty="0" smtClean="0"/>
           </a:p>
           <a:p>
             <a:r>
@@ -30417,15 +30429,15 @@
           </a:p>
           <a:p>
             <a:r>
-              <a:rPr lang="en-US" dirty="0" smtClean="0"/>
+              <a:rPr lang="en-US" b="1" dirty="0" smtClean="0"/>
               <a:t>Layer</a:t>
             </a:r>
             <a:r>
-              <a:rPr lang="en-US" altLang="zh-CN" dirty="0"/>
+              <a:rPr lang="en-US" altLang="zh-CN" b="1" dirty="0"/>
               <a:t> </a:t>
             </a:r>
             <a:r>
-              <a:rPr lang="en-US" altLang="zh-CN" dirty="0" smtClean="0"/>
+              <a:rPr lang="en-US" altLang="zh-CN" b="1" dirty="0" smtClean="0"/>
               <a:t>Diagram</a:t>
             </a:r>
           </a:p>
@@ -30436,6 +30448,14 @@
             </a:r>
           </a:p>
           <a:p>
+            <a:r>
+              <a:rPr lang="en-US" dirty="0"/>
+              <a:t>Dependency </a:t>
+            </a:r>
+            <a:r>
+              <a:rPr lang="en-US" dirty="0" smtClean="0"/>
+              <a:t>Graph / CodeMap in Solution Explorer</a:t>
+            </a:r>
             <a:endParaRPr lang="en-US" dirty="0"/>
           </a:p>
         </p:txBody>
@@ -30504,15 +30524,7 @@
           <a:p>
             <a:r>
               <a:rPr lang="en-US" altLang="zh-CN" dirty="0"/>
-              <a:t>Spend less time debugging your app in Visual Studio Ultimate when you use IntelliTrace to record and trace your code's execution history. You can find bugs more easily without setting lots of breakpoints because </a:t>
-            </a:r>
-            <a:r>
-              <a:rPr lang="en-US" altLang="zh-CN" dirty="0" err="1"/>
-              <a:t>IntelliTrace</a:t>
-            </a:r>
-            <a:r>
-              <a:rPr lang="en-US" altLang="zh-CN" dirty="0"/>
-              <a:t> lets you:</a:t>
+              <a:t>Spend less time debugging your app in Visual Studio Ultimate when you use IntelliTrace to record and trace your code's execution history. You can find bugs more easily without setting lots of breakpoints because IntelliTrace lets you:</a:t>
             </a:r>
             <a:endParaRPr lang="en-US" dirty="0"/>
           </a:p>
@@ -30611,6 +30623,60 @@
           </a:p>
         </p:txBody>
       </p:sp>
+      <p:pic>
+        <p:nvPicPr>
+          <p:cNvPr id="2050" name="Picture 2"/>
+          <p:cNvPicPr>
+            <a:picLocks noChangeAspect="1" noChangeArrowheads="1"/>
+          </p:cNvPicPr>
+          <p:nvPr/>
+        </p:nvPicPr>
+        <p:blipFill>
+          <a:blip r:embed="rId3">
+            <a:extLst>
+              <a:ext uri="{28A0092B-C50C-407E-A947-70E740481C1C}">
+                <a14:useLocalDpi xmlns:a14="http://schemas.microsoft.com/office/drawing/2010/main" val="0"/>
+              </a:ext>
+            </a:extLst>
+          </a:blip>
+          <a:srcRect/>
+          <a:stretch>
+            <a:fillRect/>
+          </a:stretch>
+        </p:blipFill>
+        <p:spPr bwMode="auto">
+          <a:xfrm>
+            <a:off x="2485293" y="3183183"/>
+            <a:ext cx="5779476" cy="3150186"/>
+          </a:xfrm>
+          <a:prstGeom prst="rect">
+            <a:avLst/>
+          </a:prstGeom>
+          <a:noFill/>
+          <a:ln>
+            <a:noFill/>
+          </a:ln>
+          <a:extLst>
+            <a:ext uri="{909E8E84-426E-40DD-AFC4-6F175D3DCCD1}">
+              <a14:hiddenFill xmlns:a14="http://schemas.microsoft.com/office/drawing/2010/main">
+                <a:solidFill>
+                  <a:schemeClr val="accent1"/>
+                </a:solidFill>
+              </a14:hiddenFill>
+            </a:ext>
+            <a:ext uri="{91240B29-F687-4F45-9708-019B960494DF}">
+              <a14:hiddenLine xmlns:a14="http://schemas.microsoft.com/office/drawing/2010/main" w="9525">
+                <a:solidFill>
+                  <a:schemeClr val="tx1"/>
+                </a:solidFill>
+                <a:miter lim="800000"/>
+                <a:headEnd/>
+                <a:tailEnd/>
+              </a14:hiddenLine>
+            </a:ext>
+          </a:extLst>
+        </p:spPr>
+      </p:pic>
     </p:spTree>
     <p:extLst>
       <p:ext uri="{BB962C8B-B14F-4D97-AF65-F5344CB8AC3E}">

--- a/Document/New Features at VS Ultimate 2013.pptx
+++ b/Document/New Features at VS Ultimate 2013.pptx
@@ -30374,7 +30374,11 @@
           <a:lstStyle/>
           <a:p>
             <a:r>
-              <a:rPr lang="en-US" b="1" dirty="0" smtClean="0"/>
+              <a:rPr lang="en-US" dirty="0" smtClean="0">
+                <a:solidFill>
+                  <a:schemeClr val="accent1"/>
+                </a:solidFill>
+              </a:rPr>
               <a:t>Class Diagram</a:t>
             </a:r>
           </a:p>
@@ -30429,15 +30433,27 @@
           </a:p>
           <a:p>
             <a:r>
-              <a:rPr lang="en-US" b="1" dirty="0" smtClean="0"/>
+              <a:rPr lang="en-US" dirty="0" smtClean="0">
+                <a:solidFill>
+                  <a:schemeClr val="accent1"/>
+                </a:solidFill>
+              </a:rPr>
               <a:t>Layer</a:t>
             </a:r>
             <a:r>
-              <a:rPr lang="en-US" altLang="zh-CN" b="1" dirty="0"/>
+              <a:rPr lang="en-US" altLang="zh-CN" dirty="0">
+                <a:solidFill>
+                  <a:schemeClr val="accent1"/>
+                </a:solidFill>
+              </a:rPr>
               <a:t> </a:t>
             </a:r>
             <a:r>
-              <a:rPr lang="en-US" altLang="zh-CN" b="1" dirty="0" smtClean="0"/>
+              <a:rPr lang="en-US" altLang="zh-CN" dirty="0" smtClean="0">
+                <a:solidFill>
+                  <a:schemeClr val="accent1"/>
+                </a:solidFill>
+              </a:rPr>
               <a:t>Diagram</a:t>
             </a:r>
           </a:p>

--- a/Document/New Features at VS Ultimate 2013.pptx
+++ b/Document/New Features at VS Ultimate 2013.pptx
@@ -14,10 +14,10 @@
     <p:sldMasterId id="2147484321" r:id="rId13"/>
   </p:sldMasterIdLst>
   <p:notesMasterIdLst>
-    <p:notesMasterId r:id="rId21"/>
+    <p:notesMasterId r:id="rId22"/>
   </p:notesMasterIdLst>
   <p:handoutMasterIdLst>
-    <p:handoutMasterId r:id="rId22"/>
+    <p:handoutMasterId r:id="rId23"/>
   </p:handoutMasterIdLst>
   <p:sldIdLst>
     <p:sldId id="256" r:id="rId14"/>
@@ -26,27 +26,28 @@
     <p:sldId id="259" r:id="rId17"/>
     <p:sldId id="261" r:id="rId18"/>
     <p:sldId id="262" r:id="rId19"/>
-    <p:sldId id="260" r:id="rId20"/>
+    <p:sldId id="263" r:id="rId20"/>
+    <p:sldId id="260" r:id="rId21"/>
   </p:sldIdLst>
   <p:sldSz cx="9144000" cy="6858000" type="screen4x3"/>
   <p:notesSz cx="7010400" cy="9296400"/>
   <p:embeddedFontLst>
     <p:embeddedFont>
       <p:font typeface="Museo For Dell 300" panose="02000000000000000000" charset="0"/>
-      <p:regular r:id="rId23"/>
+      <p:regular r:id="rId24"/>
     </p:embeddedFont>
     <p:embeddedFont>
-      <p:font typeface="museo sans for dell" panose="020B0604020202020204" charset="0"/>
-      <p:regular r:id="rId24"/>
-      <p:bold r:id="rId25"/>
+      <p:font typeface="Museo Sans For Dell" panose="020B0604020202020204" charset="0"/>
+      <p:regular r:id="rId25"/>
+      <p:bold r:id="rId26"/>
     </p:embeddedFont>
     <p:embeddedFont>
       <p:font typeface="Arial Black" panose="020B0A04020102020204" pitchFamily="34" charset="0"/>
-      <p:bold r:id="rId26"/>
+      <p:bold r:id="rId27"/>
     </p:embeddedFont>
   </p:embeddedFontLst>
   <p:custDataLst>
-    <p:tags r:id="rId27"/>
+    <p:tags r:id="rId28"/>
   </p:custDataLst>
   <p:defaultTextStyle>
     <a:defPPr>
@@ -175,7 +176,7 @@
   </p:defaultTextStyle>
   <p:extLst>
     <p:ext uri="{EFAFB233-063F-42B5-8137-9DF3F51BA10A}">
-      <p15:sldGuideLst xmlns:p15="http://schemas.microsoft.com/office/powerpoint/2012/main" xmlns="">
+      <p15:sldGuideLst xmlns="" xmlns:p15="http://schemas.microsoft.com/office/powerpoint/2012/main">
         <p15:guide id="1" orient="horz" pos="4111">
           <p15:clr>
             <a:srgbClr val="A4A3A4"/>
@@ -194,7 +195,7 @@
       </p15:sldGuideLst>
     </p:ext>
     <p:ext uri="{2D200454-40CA-4A62-9FC3-DE9A4176ACB9}">
-      <p15:notesGuideLst xmlns:p15="http://schemas.microsoft.com/office/powerpoint/2012/main" xmlns="">
+      <p15:notesGuideLst xmlns="" xmlns:p15="http://schemas.microsoft.com/office/powerpoint/2012/main">
         <p15:guide id="1" orient="horz" pos="2928">
           <p15:clr>
             <a:srgbClr val="A4A3A4"/>
@@ -1668,8 +1669,43 @@
               </a:rPr>
               <a:t>Debug Your App by Recording Code Execution with IntelliTrace</a:t>
             </a:r>
-            <a:r>
+            <a:br>
               <a:rPr lang="en-US" sz="1200" b="0" i="0" kern="1200" dirty="0" smtClean="0">
+                <a:solidFill>
+                  <a:schemeClr val="tx1"/>
+                </a:solidFill>
+                <a:effectLst/>
+                <a:latin typeface="Museo Sans For Dell" pitchFamily="2" charset="0"/>
+                <a:ea typeface="+mn-ea"/>
+                <a:cs typeface="+mn-cs"/>
+              </a:rPr>
+            </a:br>
+            <a:r>
+              <a:rPr lang="en-US" sz="1200" b="0" i="0" kern="1200" dirty="0" smtClean="0">
+                <a:solidFill>
+                  <a:schemeClr val="tx1"/>
+                </a:solidFill>
+                <a:effectLst/>
+                <a:latin typeface="Museo Sans For Dell" pitchFamily="2" charset="0"/>
+                <a:ea typeface="+mn-ea"/>
+                <a:cs typeface="+mn-cs"/>
+              </a:rPr>
+              <a:t>http://</a:t>
+            </a:r>
+            <a:r>
+              <a:rPr lang="en-US" sz="1200" b="0" i="0" kern="1200" dirty="0" smtClean="0">
+                <a:solidFill>
+                  <a:schemeClr val="tx1"/>
+                </a:solidFill>
+                <a:effectLst/>
+                <a:latin typeface="Museo Sans For Dell" pitchFamily="2" charset="0"/>
+                <a:ea typeface="+mn-ea"/>
+                <a:cs typeface="+mn-cs"/>
+              </a:rPr>
+              <a:t>msdn.microsoft.com/en-us/library/dd264915.aspx</a:t>
+            </a:r>
+            <a:r>
+              <a:rPr lang="en-US" sz="1200" b="0" i="0" kern="1200" dirty="0">
                 <a:solidFill>
                   <a:schemeClr val="tx1"/>
                 </a:solidFill>
@@ -1681,7 +1717,7 @@
               <a:t/>
             </a:r>
             <a:br>
-              <a:rPr lang="en-US" sz="1200" b="0" i="0" kern="1200" dirty="0" smtClean="0">
+              <a:rPr lang="en-US" sz="1200" b="0" i="0" kern="1200" dirty="0">
                 <a:solidFill>
                   <a:schemeClr val="tx1"/>
                 </a:solidFill>
@@ -1691,19 +1727,15 @@
                 <a:cs typeface="+mn-cs"/>
               </a:rPr>
             </a:br>
-            <a:r>
-              <a:rPr lang="en-US" sz="1200" b="0" i="0" kern="1200" dirty="0" smtClean="0">
-                <a:solidFill>
-                  <a:schemeClr val="tx1"/>
-                </a:solidFill>
-                <a:effectLst/>
-                <a:latin typeface="Museo Sans For Dell" pitchFamily="2" charset="0"/>
-                <a:ea typeface="+mn-ea"/>
-                <a:cs typeface="+mn-cs"/>
-              </a:rPr>
-              <a:t>http://msdn.microsoft.com/en-us/library/dd264915.aspx</a:t>
-            </a:r>
-            <a:endParaRPr lang="en-US" dirty="0"/>
+            <a:endParaRPr lang="en-US" sz="1200" b="0" i="0" kern="1200" dirty="0" smtClean="0">
+              <a:solidFill>
+                <a:schemeClr val="tx1"/>
+              </a:solidFill>
+              <a:effectLst/>
+              <a:latin typeface="Museo Sans For Dell" pitchFamily="2" charset="0"/>
+              <a:ea typeface="+mn-ea"/>
+              <a:cs typeface="+mn-cs"/>
+            </a:endParaRPr>
           </a:p>
         </p:txBody>
       </p:sp>
@@ -20022,7 +20054,7 @@
                   <a:schemeClr val="bg1"/>
                 </a:buClr>
               </a:pPr>
-              <a:t>12/29/2014</a:t>
+              <a:t>12/30/2014</a:t>
             </a:fld>
             <a:endParaRPr lang="en-US" sz="900" dirty="0" smtClean="0">
               <a:solidFill>
@@ -20096,7 +20128,7 @@
                   <a:schemeClr val="bg1"/>
                 </a:buClr>
               </a:pPr>
-              <a:t>12/29/2014</a:t>
+              <a:t>12/30/2014</a:t>
             </a:fld>
             <a:endParaRPr lang="en-US" sz="900" dirty="0" smtClean="0">
               <a:solidFill>
@@ -20966,7 +20998,7 @@
                   <a:schemeClr val="bg1"/>
                 </a:buClr>
               </a:pPr>
-              <a:t>12/29/2014</a:t>
+              <a:t>12/30/2014</a:t>
             </a:fld>
             <a:endParaRPr lang="en-US" sz="900" dirty="0" smtClean="0">
               <a:solidFill>
@@ -21040,7 +21072,7 @@
                   <a:schemeClr val="bg1"/>
                 </a:buClr>
               </a:pPr>
-              <a:t>12/29/2014</a:t>
+              <a:t>12/30/2014</a:t>
             </a:fld>
             <a:endParaRPr lang="en-US" sz="900" dirty="0" smtClean="0">
               <a:solidFill>
@@ -21951,7 +21983,7 @@
                   <a:schemeClr val="bg1"/>
                 </a:buClr>
               </a:pPr>
-              <a:t>12/29/2014</a:t>
+              <a:t>12/30/2014</a:t>
             </a:fld>
             <a:endParaRPr lang="en-US" sz="1000" dirty="0" smtClean="0">
               <a:solidFill>
@@ -22955,7 +22987,7 @@
                   <a:schemeClr val="bg1"/>
                 </a:buClr>
               </a:pPr>
-              <a:t>12/29/2014</a:t>
+              <a:t>12/30/2014</a:t>
             </a:fld>
             <a:endParaRPr lang="en-US" sz="900" dirty="0" smtClean="0">
               <a:solidFill>
@@ -23029,7 +23061,7 @@
                   <a:schemeClr val="bg1"/>
                 </a:buClr>
               </a:pPr>
-              <a:t>12/29/2014</a:t>
+              <a:t>12/30/2014</a:t>
             </a:fld>
             <a:endParaRPr lang="en-US" sz="900" dirty="0" smtClean="0">
               <a:solidFill>
@@ -23798,7 +23830,7 @@
                   <a:schemeClr val="bg1"/>
                 </a:buClr>
               </a:pPr>
-              <a:t>12/29/2014</a:t>
+              <a:t>12/30/2014</a:t>
             </a:fld>
             <a:endParaRPr lang="en-US" sz="900" dirty="0" smtClean="0">
               <a:solidFill>
@@ -23872,7 +23904,7 @@
                   <a:schemeClr val="bg1"/>
                 </a:buClr>
               </a:pPr>
-              <a:t>12/29/2014</a:t>
+              <a:t>12/30/2014</a:t>
             </a:fld>
             <a:endParaRPr lang="en-US" sz="900" dirty="0" smtClean="0">
               <a:solidFill>
@@ -24782,7 +24814,7 @@
                   <a:schemeClr val="bg1"/>
                 </a:buClr>
               </a:pPr>
-              <a:t>12/29/2014</a:t>
+              <a:t>12/30/2014</a:t>
             </a:fld>
             <a:endParaRPr lang="en-US" sz="900" dirty="0" smtClean="0">
               <a:solidFill>
@@ -24856,7 +24888,7 @@
                   <a:schemeClr val="bg1"/>
                 </a:buClr>
               </a:pPr>
-              <a:t>12/29/2014</a:t>
+              <a:t>12/30/2014</a:t>
             </a:fld>
             <a:endParaRPr lang="en-US" sz="900" dirty="0" smtClean="0">
               <a:solidFill>
@@ -25766,7 +25798,7 @@
                   <a:schemeClr val="bg1"/>
                 </a:buClr>
               </a:pPr>
-              <a:t>12/29/2014</a:t>
+              <a:t>12/30/2014</a:t>
             </a:fld>
             <a:endParaRPr lang="en-US" sz="900" dirty="0" smtClean="0">
               <a:solidFill>
@@ -25840,7 +25872,7 @@
                   <a:schemeClr val="bg1"/>
                 </a:buClr>
               </a:pPr>
-              <a:t>12/29/2014</a:t>
+              <a:t>12/30/2014</a:t>
             </a:fld>
             <a:endParaRPr lang="en-US" sz="900" dirty="0" smtClean="0">
               <a:solidFill>
@@ -26750,7 +26782,7 @@
                   <a:schemeClr val="bg1"/>
                 </a:buClr>
               </a:pPr>
-              <a:t>12/29/2014</a:t>
+              <a:t>12/30/2014</a:t>
             </a:fld>
             <a:endParaRPr lang="en-US" sz="900" dirty="0" smtClean="0">
               <a:solidFill>
@@ -26824,7 +26856,7 @@
                   <a:schemeClr val="bg1"/>
                 </a:buClr>
               </a:pPr>
-              <a:t>12/29/2014</a:t>
+              <a:t>12/30/2014</a:t>
             </a:fld>
             <a:endParaRPr lang="en-US" sz="900" dirty="0" smtClean="0">
               <a:solidFill>
@@ -27733,7 +27765,7 @@
                   <a:schemeClr val="bg1"/>
                 </a:buClr>
               </a:pPr>
-              <a:t>12/29/2014</a:t>
+              <a:t>12/30/2014</a:t>
             </a:fld>
             <a:endParaRPr lang="en-US" sz="900" dirty="0" smtClean="0">
               <a:solidFill>
@@ -27807,7 +27839,7 @@
                   <a:schemeClr val="bg1"/>
                 </a:buClr>
               </a:pPr>
-              <a:t>12/29/2014</a:t>
+              <a:t>12/30/2014</a:t>
             </a:fld>
             <a:endParaRPr lang="en-US" sz="900" dirty="0" smtClean="0">
               <a:solidFill>
@@ -28716,7 +28748,7 @@
                   <a:schemeClr val="bg1"/>
                 </a:buClr>
               </a:pPr>
-              <a:t>12/29/2014</a:t>
+              <a:t>12/30/2014</a:t>
             </a:fld>
             <a:endParaRPr lang="en-US" sz="900" dirty="0" smtClean="0">
               <a:solidFill>
@@ -28790,7 +28822,7 @@
                   <a:schemeClr val="bg1"/>
                 </a:buClr>
               </a:pPr>
-              <a:t>12/29/2014</a:t>
+              <a:t>12/30/2014</a:t>
             </a:fld>
             <a:endParaRPr lang="en-US" sz="900" dirty="0" smtClean="0">
               <a:solidFill>
@@ -30385,11 +30417,7 @@
           <a:p>
             <a:r>
               <a:rPr lang="en-US" dirty="0" smtClean="0"/>
-              <a:t>Sequence </a:t>
-            </a:r>
-            <a:r>
-              <a:rPr lang="en-US" dirty="0" smtClean="0"/>
-              <a:t>Diagram</a:t>
+              <a:t>Sequence Diagram</a:t>
             </a:r>
           </a:p>
           <a:p>
@@ -30398,7 +30426,6 @@
               <a:rPr lang="en-US" dirty="0" smtClean="0"/>
               <a:t>Generate Sequence Diagram from source code</a:t>
             </a:r>
-            <a:endParaRPr lang="en-US" dirty="0" smtClean="0"/>
           </a:p>
           <a:p>
             <a:r>
@@ -30735,6 +30762,230 @@
       </p:grpSpPr>
       <p:sp>
         <p:nvSpPr>
+          <p:cNvPr id="4" name="Content Placeholder 3"/>
+          <p:cNvSpPr>
+            <a:spLocks noGrp="1"/>
+          </p:cNvSpPr>
+          <p:nvPr>
+            <p:ph sz="half" idx="1"/>
+          </p:nvPr>
+        </p:nvSpPr>
+        <p:spPr>
+          <a:xfrm>
+            <a:off x="356402" y="372533"/>
+            <a:ext cx="8403775" cy="5723467"/>
+          </a:xfrm>
+        </p:spPr>
+        <p:txBody>
+          <a:bodyPr>
+            <a:normAutofit/>
+          </a:bodyPr>
+          <a:lstStyle/>
+          <a:p>
+            <a:pPr marL="0" indent="0">
+              <a:buNone/>
+            </a:pPr>
+            <a:r>
+              <a:rPr lang="en-US" dirty="0" smtClean="0"/>
+              <a:t>Setup IntelliTrace:</a:t>
+            </a:r>
+          </a:p>
+          <a:p>
+            <a:pPr marL="0" indent="0">
+              <a:buNone/>
+            </a:pPr>
+            <a:r>
+              <a:rPr lang="en-US" dirty="0" smtClean="0"/>
+              <a:t>1</a:t>
+            </a:r>
+            <a:r>
+              <a:rPr lang="en-US" dirty="0"/>
+              <a:t>. Download</a:t>
+            </a:r>
+          </a:p>
+          <a:p>
+            <a:pPr marL="0" indent="0">
+              <a:buNone/>
+            </a:pPr>
+            <a:r>
+              <a:rPr lang="en-US" dirty="0"/>
+              <a:t>	http://www.microsoft.com/en-us/download/details.aspx?id=44909</a:t>
+            </a:r>
+          </a:p>
+          <a:p>
+            <a:pPr marL="0" indent="0">
+              <a:buNone/>
+            </a:pPr>
+            <a:r>
+              <a:rPr lang="en-US" dirty="0"/>
+              <a:t>2. Create folder C:\IntelliTraceCollector</a:t>
+            </a:r>
+          </a:p>
+          <a:p>
+            <a:pPr marL="0" indent="0">
+              <a:buNone/>
+            </a:pPr>
+            <a:r>
+              <a:rPr lang="en-US" dirty="0"/>
+              <a:t>3. Save IntelliTraceCollector.exe to the collector directory, for example: C:\IntelliTraceCollector</a:t>
+            </a:r>
+          </a:p>
+          <a:p>
+            <a:pPr marL="0" indent="0">
+              <a:buNone/>
+            </a:pPr>
+            <a:r>
+              <a:rPr lang="en-US" dirty="0"/>
+              <a:t>4. Run IntelliTraceCollector.exe (Get the IntelliTraceCollection.cab)</a:t>
+            </a:r>
+          </a:p>
+          <a:p>
+            <a:pPr marL="0" indent="0">
+              <a:buNone/>
+            </a:pPr>
+            <a:r>
+              <a:rPr lang="en-US" dirty="0"/>
+              <a:t>5. Use </a:t>
+            </a:r>
+            <a:r>
+              <a:rPr lang="en-US" dirty="0" err="1"/>
+              <a:t>Cmd</a:t>
+            </a:r>
+            <a:r>
+              <a:rPr lang="en-US" dirty="0"/>
+              <a:t> Browse to the collector directory, for example: C:\IntelliTraceCollector</a:t>
+            </a:r>
+          </a:p>
+          <a:p>
+            <a:pPr marL="0" indent="0">
+              <a:buNone/>
+            </a:pPr>
+            <a:r>
+              <a:rPr lang="en-US" dirty="0"/>
+              <a:t>6. Use the expand command, including the period (.) at the end, to expand IntelliTraceCollection.cab:</a:t>
+            </a:r>
+          </a:p>
+          <a:p>
+            <a:pPr marL="0" indent="0">
+              <a:buNone/>
+            </a:pPr>
+            <a:r>
+              <a:rPr lang="en-US" dirty="0"/>
+              <a:t>	expand /f:* IntelliTraceCollection.cab .</a:t>
+            </a:r>
+          </a:p>
+          <a:p>
+            <a:pPr marL="0" indent="0">
+              <a:buNone/>
+            </a:pPr>
+            <a:r>
+              <a:rPr lang="en-US" dirty="0"/>
+              <a:t>7. Create folder C:\IntelliTraceLogFiles</a:t>
+            </a:r>
+          </a:p>
+          <a:p>
+            <a:pPr marL="0" indent="0">
+              <a:buNone/>
+            </a:pPr>
+            <a:r>
+              <a:rPr lang="en-US" dirty="0"/>
+              <a:t>8. </a:t>
+            </a:r>
+            <a:r>
+              <a:rPr lang="en-US" dirty="0" err="1"/>
+              <a:t>Cmd</a:t>
+            </a:r>
+            <a:r>
+              <a:rPr lang="en-US" dirty="0"/>
+              <a:t> Run:</a:t>
+            </a:r>
+          </a:p>
+          <a:p>
+            <a:pPr marL="0" indent="0">
+              <a:buNone/>
+            </a:pPr>
+            <a:r>
+              <a:rPr lang="en-US" dirty="0"/>
+              <a:t>	C:\IntelliTraceCollector\IntelliTraceSC.exe launch /</a:t>
+            </a:r>
+            <a:r>
+              <a:rPr lang="en-US" dirty="0" err="1"/>
+              <a:t>cp</a:t>
+            </a:r>
+            <a:r>
+              <a:rPr lang="en-US" dirty="0"/>
+              <a:t>:"C:\</a:t>
+            </a:r>
+            <a:r>
+              <a:rPr lang="en-US" dirty="0" err="1"/>
+              <a:t>IntelliTraceCollector</a:t>
+            </a:r>
+            <a:r>
+              <a:rPr lang="en-US" dirty="0"/>
+              <a:t>\collection_plan.ASP.NET.default.xml" /</a:t>
+            </a:r>
+            <a:r>
+              <a:rPr lang="en-US" dirty="0" err="1"/>
+              <a:t>f:"C</a:t>
+            </a:r>
+            <a:r>
+              <a:rPr lang="en-US" dirty="0"/>
+              <a:t>:\</a:t>
+            </a:r>
+            <a:r>
+              <a:rPr lang="en-US" dirty="0" err="1"/>
+              <a:t>IntelliTraceLogFiles</a:t>
+            </a:r>
+            <a:r>
+              <a:rPr lang="en-US" dirty="0"/>
+              <a:t>\</a:t>
+            </a:r>
+            <a:r>
+              <a:rPr lang="en-US" dirty="0" err="1"/>
+              <a:t>MyApp.itrace</a:t>
+            </a:r>
+            <a:r>
+              <a:rPr lang="en-US" dirty="0"/>
+              <a:t>" "C:\MyApp\MyApp.exe"</a:t>
+            </a:r>
+          </a:p>
+        </p:txBody>
+      </p:sp>
+    </p:spTree>
+    <p:extLst>
+      <p:ext uri="{BB962C8B-B14F-4D97-AF65-F5344CB8AC3E}">
+        <p14:creationId xmlns:p14="http://schemas.microsoft.com/office/powerpoint/2010/main" val="4137438782"/>
+      </p:ext>
+    </p:extLst>
+  </p:cSld>
+  <p:clrMapOvr>
+    <a:masterClrMapping/>
+  </p:clrMapOvr>
+  <p:transition spd="med">
+    <p:wipe dir="r"/>
+  </p:transition>
+</p:sld>
+</file>
+
+<file path=ppt/slides/slide8.xml><?xml version="1.0" encoding="utf-8"?>
+<p:sld xmlns:a="http://schemas.openxmlformats.org/drawingml/2006/main" xmlns:r="http://schemas.openxmlformats.org/officeDocument/2006/relationships" xmlns:p="http://schemas.openxmlformats.org/presentationml/2006/main">
+  <p:cSld>
+    <p:spTree>
+      <p:nvGrpSpPr>
+        <p:cNvPr id="1" name=""/>
+        <p:cNvGrpSpPr/>
+        <p:nvPr/>
+      </p:nvGrpSpPr>
+      <p:grpSpPr>
+        <a:xfrm>
+          <a:off x="0" y="0"/>
+          <a:ext cx="0" cy="0"/>
+          <a:chOff x="0" y="0"/>
+          <a:chExt cx="0" cy="0"/>
+        </a:xfrm>
+      </p:grpSpPr>
+      <p:sp>
+        <p:nvSpPr>
           <p:cNvPr id="5" name="Title 4"/>
           <p:cNvSpPr>
             <a:spLocks noGrp="1"/>
@@ -30784,13 +31035,7 @@
               <a:rPr lang="en-US" altLang="zh-CN" dirty="0" smtClean="0">
                 <a:hlinkClick r:id="rId2"/>
               </a:rPr>
-              <a:t>Auto </a:t>
-            </a:r>
-            <a:r>
-              <a:rPr lang="en-US" altLang="zh-CN" dirty="0" smtClean="0">
-                <a:hlinkClick r:id="rId2"/>
-              </a:rPr>
-              <a:t>Run Test</a:t>
+              <a:t>Auto Run Test</a:t>
             </a:r>
             <a:endParaRPr lang="en-US" altLang="zh-CN" dirty="0" smtClean="0"/>
           </a:p>
@@ -30814,13 +31059,8 @@
             </a:pPr>
             <a:r>
               <a:rPr lang="en-US" altLang="zh-CN" dirty="0" smtClean="0"/>
-              <a:t>Color of the left </a:t>
-            </a:r>
-            <a:r>
-              <a:rPr lang="en-US" altLang="zh-CN" dirty="0" smtClean="0"/>
-              <a:t>margin, Color of the right margin</a:t>
-            </a:r>
-            <a:endParaRPr lang="en-US" altLang="zh-CN" dirty="0" smtClean="0"/>
+              <a:t>Color of the left margin, Color of the right margin</a:t>
+            </a:r>
           </a:p>
           <a:p>
             <a:pPr marL="687388" lvl="1" indent="-342900">
@@ -30887,7 +31127,6 @@
               <a:rPr lang="en-US" altLang="zh-CN" dirty="0" smtClean="0"/>
               <a:t>Scroll bar source overview</a:t>
             </a:r>
-            <a:endParaRPr lang="en-US" altLang="zh-CN" dirty="0" smtClean="0"/>
           </a:p>
           <a:p>
             <a:pPr marL="342900" indent="-342900">
@@ -30908,8 +31147,29 @@
               <a:buAutoNum type="arabicPeriod"/>
             </a:pPr>
             <a:r>
-              <a:rPr lang="en-US" altLang="zh-CN" dirty="0" smtClean="0"/>
-              <a:t>xx</a:t>
+              <a:rPr lang="en-US" dirty="0">
+                <a:hlinkClick r:id="rId5"/>
+              </a:rPr>
+              <a:t>Verifying Code by Using UI </a:t>
+            </a:r>
+            <a:r>
+              <a:rPr lang="en-US" dirty="0" smtClean="0">
+                <a:hlinkClick r:id="rId5"/>
+              </a:rPr>
+              <a:t>Automation</a:t>
+            </a:r>
+            <a:endParaRPr lang="en-US" dirty="0" smtClean="0"/>
+          </a:p>
+          <a:p>
+            <a:pPr marL="342900" indent="-342900">
+              <a:buFont typeface="+mj-lt"/>
+              <a:buAutoNum type="arabicPeriod"/>
+            </a:pPr>
+            <a:r>
+              <a:rPr lang="en-US" dirty="0">
+                <a:hlinkClick r:id="rId6"/>
+              </a:rPr>
+              <a:t>Analyzing Application Quality</a:t>
             </a:r>
             <a:endParaRPr lang="en-US" altLang="zh-CN" dirty="0" smtClean="0"/>
           </a:p>
@@ -30931,7 +31191,7 @@
           <p:nvPr/>
         </p:nvPicPr>
         <p:blipFill>
-          <a:blip r:embed="rId5">
+          <a:blip r:embed="rId7">
             <a:extLst>
               <a:ext uri="{28A0092B-C50C-407E-A947-70E740481C1C}">
                 <a14:useLocalDpi xmlns:a14="http://schemas.microsoft.com/office/drawing/2010/main" val="0"/>
@@ -30985,7 +31245,7 @@
           <p:nvPr/>
         </p:nvPicPr>
         <p:blipFill>
-          <a:blip r:embed="rId6">
+          <a:blip r:embed="rId8">
             <a:extLst>
               <a:ext uri="{28A0092B-C50C-407E-A947-70E740481C1C}">
                 <a14:useLocalDpi xmlns:a14="http://schemas.microsoft.com/office/drawing/2010/main" val="0"/>
@@ -31386,7 +31646,7 @@
   </a:extraClrSchemeLst>
   <a:extLst>
     <a:ext uri="{05A4C25C-085E-4340-85A3-A5531E510DB2}">
-      <thm15:themeFamily xmlns:thm15="http://schemas.microsoft.com/office/thememl/2012/main" xmlns="" name="Presentation12" id="{DAFB7478-47B3-40DE-90C0-3857378F45FF}" vid="{6E384890-8F9F-4A11-9330-31F5F14C349B}"/>
+      <thm15:themeFamily xmlns="" xmlns:thm15="http://schemas.microsoft.com/office/thememl/2012/main" name="Presentation12" id="{DAFB7478-47B3-40DE-90C0-3857378F45FF}" vid="{6E384890-8F9F-4A11-9330-31F5F14C349B}"/>
     </a:ext>
   </a:extLst>
 </a:theme>
@@ -31719,7 +31979,7 @@
   </a:extraClrSchemeLst>
   <a:extLst>
     <a:ext uri="{05A4C25C-085E-4340-85A3-A5531E510DB2}">
-      <thm15:themeFamily xmlns:thm15="http://schemas.microsoft.com/office/thememl/2012/main" xmlns="" name="Presentation12" id="{DAFB7478-47B3-40DE-90C0-3857378F45FF}" vid="{C8BAF95F-293E-49F1-9C5A-6A7DFEFCDE30}"/>
+      <thm15:themeFamily xmlns="" xmlns:thm15="http://schemas.microsoft.com/office/thememl/2012/main" name="Presentation12" id="{DAFB7478-47B3-40DE-90C0-3857378F45FF}" vid="{C8BAF95F-293E-49F1-9C5A-6A7DFEFCDE30}"/>
     </a:ext>
   </a:extLst>
 </a:theme>
@@ -32617,7 +32877,7 @@
   </a:extraClrSchemeLst>
   <a:extLst>
     <a:ext uri="{05A4C25C-085E-4340-85A3-A5531E510DB2}">
-      <thm15:themeFamily xmlns:thm15="http://schemas.microsoft.com/office/thememl/2012/main" xmlns="" name="Presentation12" id="{DAFB7478-47B3-40DE-90C0-3857378F45FF}" vid="{21BA7CA8-7620-4C1E-95A4-65CD1B58CD3B}"/>
+      <thm15:themeFamily xmlns="" xmlns:thm15="http://schemas.microsoft.com/office/thememl/2012/main" name="Presentation12" id="{DAFB7478-47B3-40DE-90C0-3857378F45FF}" vid="{21BA7CA8-7620-4C1E-95A4-65CD1B58CD3B}"/>
     </a:ext>
   </a:extLst>
 </a:theme>
@@ -32950,7 +33210,7 @@
   </a:extraClrSchemeLst>
   <a:extLst>
     <a:ext uri="{05A4C25C-085E-4340-85A3-A5531E510DB2}">
-      <thm15:themeFamily xmlns:thm15="http://schemas.microsoft.com/office/thememl/2012/main" xmlns="" name="Presentation12" id="{DAFB7478-47B3-40DE-90C0-3857378F45FF}" vid="{62936EF5-9C78-4A9F-B13F-C44543044758}"/>
+      <thm15:themeFamily xmlns="" xmlns:thm15="http://schemas.microsoft.com/office/thememl/2012/main" name="Presentation12" id="{DAFB7478-47B3-40DE-90C0-3857378F45FF}" vid="{62936EF5-9C78-4A9F-B13F-C44543044758}"/>
     </a:ext>
   </a:extLst>
 </a:theme>
@@ -33283,7 +33543,7 @@
   </a:extraClrSchemeLst>
   <a:extLst>
     <a:ext uri="{05A4C25C-085E-4340-85A3-A5531E510DB2}">
-      <thm15:themeFamily xmlns:thm15="http://schemas.microsoft.com/office/thememl/2012/main" xmlns="" name="Presentation12" id="{DAFB7478-47B3-40DE-90C0-3857378F45FF}" vid="{AF3762C5-E896-4764-88B9-1C96F93B9BCD}"/>
+      <thm15:themeFamily xmlns="" xmlns:thm15="http://schemas.microsoft.com/office/thememl/2012/main" name="Presentation12" id="{DAFB7478-47B3-40DE-90C0-3857378F45FF}" vid="{AF3762C5-E896-4764-88B9-1C96F93B9BCD}"/>
     </a:ext>
   </a:extLst>
 </a:theme>
@@ -33616,7 +33876,7 @@
   </a:extraClrSchemeLst>
   <a:extLst>
     <a:ext uri="{05A4C25C-085E-4340-85A3-A5531E510DB2}">
-      <thm15:themeFamily xmlns:thm15="http://schemas.microsoft.com/office/thememl/2012/main" xmlns="" name="Presentation12" id="{DAFB7478-47B3-40DE-90C0-3857378F45FF}" vid="{113EF733-E79B-44B7-BFB7-3203CC8C70D7}"/>
+      <thm15:themeFamily xmlns="" xmlns:thm15="http://schemas.microsoft.com/office/thememl/2012/main" name="Presentation12" id="{DAFB7478-47B3-40DE-90C0-3857378F45FF}" vid="{113EF733-E79B-44B7-BFB7-3203CC8C70D7}"/>
     </a:ext>
   </a:extLst>
 </a:theme>
@@ -33949,7 +34209,7 @@
   </a:extraClrSchemeLst>
   <a:extLst>
     <a:ext uri="{05A4C25C-085E-4340-85A3-A5531E510DB2}">
-      <thm15:themeFamily xmlns:thm15="http://schemas.microsoft.com/office/thememl/2012/main" xmlns="" name="Presentation12" id="{DAFB7478-47B3-40DE-90C0-3857378F45FF}" vid="{5C4A94E3-FA97-42A4-BA2D-437C73A6F7E5}"/>
+      <thm15:themeFamily xmlns="" xmlns:thm15="http://schemas.microsoft.com/office/thememl/2012/main" name="Presentation12" id="{DAFB7478-47B3-40DE-90C0-3857378F45FF}" vid="{5C4A94E3-FA97-42A4-BA2D-437C73A6F7E5}"/>
     </a:ext>
   </a:extLst>
 </a:theme>
@@ -34282,7 +34542,7 @@
   </a:extraClrSchemeLst>
   <a:extLst>
     <a:ext uri="{05A4C25C-085E-4340-85A3-A5531E510DB2}">
-      <thm15:themeFamily xmlns:thm15="http://schemas.microsoft.com/office/thememl/2012/main" xmlns="" name="Presentation12" id="{DAFB7478-47B3-40DE-90C0-3857378F45FF}" vid="{61C20380-6C7B-4A01-A2EA-DEBD17F86DFB}"/>
+      <thm15:themeFamily xmlns="" xmlns:thm15="http://schemas.microsoft.com/office/thememl/2012/main" name="Presentation12" id="{DAFB7478-47B3-40DE-90C0-3857378F45FF}" vid="{61C20380-6C7B-4A01-A2EA-DEBD17F86DFB}"/>
     </a:ext>
   </a:extLst>
 </a:theme>
@@ -34615,7 +34875,7 @@
   </a:extraClrSchemeLst>
   <a:extLst>
     <a:ext uri="{05A4C25C-085E-4340-85A3-A5531E510DB2}">
-      <thm15:themeFamily xmlns:thm15="http://schemas.microsoft.com/office/thememl/2012/main" xmlns="" name="Presentation12" id="{DAFB7478-47B3-40DE-90C0-3857378F45FF}" vid="{C05AC854-A408-4B81-86C9-67883E0C9BF8}"/>
+      <thm15:themeFamily xmlns="" xmlns:thm15="http://schemas.microsoft.com/office/thememl/2012/main" name="Presentation12" id="{DAFB7478-47B3-40DE-90C0-3857378F45FF}" vid="{C05AC854-A408-4B81-86C9-67883E0C9BF8}"/>
     </a:ext>
   </a:extLst>
 </a:theme>
@@ -34948,19 +35208,16 @@
   </a:extraClrSchemeLst>
   <a:extLst>
     <a:ext uri="{05A4C25C-085E-4340-85A3-A5531E510DB2}">
-      <thm15:themeFamily xmlns:thm15="http://schemas.microsoft.com/office/thememl/2012/main" xmlns="" name="Presentation12" id="{DAFB7478-47B3-40DE-90C0-3857378F45FF}" vid="{532E81F1-70E5-4D00-AE0F-456D020155FE}"/>
+      <thm15:themeFamily xmlns="" xmlns:thm15="http://schemas.microsoft.com/office/thememl/2012/main" name="Presentation12" id="{DAFB7478-47B3-40DE-90C0-3857378F45FF}" vid="{532E81F1-70E5-4D00-AE0F-456D020155FE}"/>
     </a:ext>
   </a:extLst>
 </a:theme>
 </file>
 
 <file path=customXml/item1.xml><?xml version="1.0" encoding="utf-8"?>
-<?mso-contentType ?>
-<FormTemplates xmlns="http://schemas.microsoft.com/sharepoint/v3/contenttype/forms">
-  <Display>DocumentLibraryForm</Display>
-  <Edit>DocumentLibraryForm</Edit>
-  <New>DocumentLibraryForm</New>
-</FormTemplates>
+<p:properties xmlns:p="http://schemas.microsoft.com/office/2006/metadata/properties" xmlns:xsi="http://www.w3.org/2001/XMLSchema-instance">
+  <documentManagement/>
+</p:properties>
 </file>
 
 <file path=customXml/item2.xml><?xml version="1.0" encoding="utf-8"?>
@@ -35013,15 +35270,24 @@
 </file>
 
 <file path=customXml/item3.xml><?xml version="1.0" encoding="utf-8"?>
-<p:properties xmlns:p="http://schemas.microsoft.com/office/2006/metadata/properties" xmlns:xsi="http://www.w3.org/2001/XMLSchema-instance">
-  <documentManagement/>
-</p:properties>
+<?mso-contentType ?>
+<FormTemplates xmlns="http://schemas.microsoft.com/sharepoint/v3/contenttype/forms">
+  <Display>DocumentLibraryForm</Display>
+  <Edit>DocumentLibraryForm</Edit>
+  <New>DocumentLibraryForm</New>
+</FormTemplates>
 </file>
 
 <file path=customXml/itemProps1.xml><?xml version="1.0" encoding="utf-8"?>
-<ds:datastoreItem xmlns:ds="http://schemas.openxmlformats.org/officeDocument/2006/customXml" ds:itemID="{86FC490B-1F77-48C5-AC70-1DD939DBDF04}">
+<ds:datastoreItem xmlns:ds="http://schemas.openxmlformats.org/officeDocument/2006/customXml" ds:itemID="{0873BDD3-AA35-4F19-A12A-C6462BECFBD1}">
   <ds:schemaRefs>
-    <ds:schemaRef ds:uri="http://schemas.microsoft.com/sharepoint/v3/contenttype/forms"/>
+    <ds:schemaRef ds:uri="http://www.w3.org/XML/1998/namespace"/>
+    <ds:schemaRef ds:uri="http://purl.org/dc/elements/1.1/"/>
+    <ds:schemaRef ds:uri="http://schemas.microsoft.com/office/2006/documentManagement/types"/>
+    <ds:schemaRef ds:uri="http://schemas.microsoft.com/office/2006/metadata/properties"/>
+    <ds:schemaRef ds:uri="http://schemas.openxmlformats.org/package/2006/metadata/core-properties"/>
+    <ds:schemaRef ds:uri="http://purl.org/dc/dcmitype/"/>
+    <ds:schemaRef ds:uri="http://purl.org/dc/terms/"/>
   </ds:schemaRefs>
 </ds:datastoreItem>
 </file>
@@ -35042,15 +35308,9 @@
 </file>
 
 <file path=customXml/itemProps3.xml><?xml version="1.0" encoding="utf-8"?>
-<ds:datastoreItem xmlns:ds="http://schemas.openxmlformats.org/officeDocument/2006/customXml" ds:itemID="{0873BDD3-AA35-4F19-A12A-C6462BECFBD1}">
+<ds:datastoreItem xmlns:ds="http://schemas.openxmlformats.org/officeDocument/2006/customXml" ds:itemID="{86FC490B-1F77-48C5-AC70-1DD939DBDF04}">
   <ds:schemaRefs>
-    <ds:schemaRef ds:uri="http://www.w3.org/XML/1998/namespace"/>
-    <ds:schemaRef ds:uri="http://purl.org/dc/elements/1.1/"/>
-    <ds:schemaRef ds:uri="http://schemas.microsoft.com/office/2006/documentManagement/types"/>
-    <ds:schemaRef ds:uri="http://schemas.microsoft.com/office/2006/metadata/properties"/>
-    <ds:schemaRef ds:uri="http://schemas.openxmlformats.org/package/2006/metadata/core-properties"/>
-    <ds:schemaRef ds:uri="http://purl.org/dc/dcmitype/"/>
-    <ds:schemaRef ds:uri="http://purl.org/dc/terms/"/>
+    <ds:schemaRef ds:uri="http://schemas.microsoft.com/sharepoint/v3/contenttype/forms"/>
   </ds:schemaRefs>
 </ds:datastoreItem>
 </file>